--- a/Present/Presentation1_noise.pptx
+++ b/Present/Presentation1_noise.pptx
@@ -5,24 +5,18 @@
     <p:sldMasterId id="2147483648" r:id="rId1"/>
   </p:sldMasterIdLst>
   <p:sldIdLst>
-    <p:sldId id="256" r:id="rId3"/>
-    <p:sldId id="281" r:id="rId4"/>
-    <p:sldId id="258" r:id="rId5"/>
-    <p:sldId id="259" r:id="rId6"/>
-    <p:sldId id="262" r:id="rId7"/>
-    <p:sldId id="263" r:id="rId8"/>
-    <p:sldId id="265" r:id="rId9"/>
-    <p:sldId id="268" r:id="rId10"/>
-    <p:sldId id="264" r:id="rId11"/>
-    <p:sldId id="269" r:id="rId12"/>
-    <p:sldId id="270" r:id="rId13"/>
-    <p:sldId id="272" r:id="rId14"/>
-    <p:sldId id="274" r:id="rId15"/>
-    <p:sldId id="275" r:id="rId16"/>
-    <p:sldId id="277" r:id="rId17"/>
-    <p:sldId id="276" r:id="rId18"/>
-    <p:sldId id="278" r:id="rId19"/>
-    <p:sldId id="280" r:id="rId20"/>
+    <p:sldId id="256" r:id="rId2"/>
+    <p:sldId id="281" r:id="rId3"/>
+    <p:sldId id="282" r:id="rId4"/>
+    <p:sldId id="283" r:id="rId5"/>
+    <p:sldId id="284" r:id="rId6"/>
+    <p:sldId id="287" r:id="rId7"/>
+    <p:sldId id="285" r:id="rId8"/>
+    <p:sldId id="286" r:id="rId9"/>
+    <p:sldId id="288" r:id="rId10"/>
+    <p:sldId id="289" r:id="rId11"/>
+    <p:sldId id="290" r:id="rId12"/>
+    <p:sldId id="291" r:id="rId13"/>
   </p:sldIdLst>
   <p:sldSz cx="12192000" cy="6858000"/>
   <p:notesSz cx="6858000" cy="9144000"/>
@@ -121,6 +115,11 @@
       </a:defRPr>
     </a:lvl9pPr>
   </p:defaultTextStyle>
+  <p:extLst>
+    <p:ext uri="{EFAFB233-063F-42B5-8137-9DF3F51BA10A}">
+      <p15:sldGuideLst xmlns:p15="http://schemas.microsoft.com/office/powerpoint/2012/main"/>
+    </p:ext>
+  </p:extLst>
 </p:presentation>
 </file>
 
@@ -166,10 +165,9 @@
           </a:lstStyle>
           <a:p>
             <a:r>
-              <a:rPr lang="en-US" smtClean="0"/>
+              <a:rPr lang="en-US"/>
               <a:t>Click to edit Master title style</a:t>
             </a:r>
-            <a:endParaRPr lang="en-US"/>
           </a:p>
         </p:txBody>
       </p:sp>
@@ -231,10 +229,9 @@
           </a:lstStyle>
           <a:p>
             <a:r>
-              <a:rPr lang="en-US" smtClean="0"/>
+              <a:rPr lang="en-US"/>
               <a:t>Click to edit Master subtitle style</a:t>
             </a:r>
-            <a:endParaRPr lang="en-US"/>
           </a:p>
         </p:txBody>
       </p:sp>
@@ -255,6 +252,7 @@
           <a:p>
             <a:fld id="{63A1C593-65D0-4073-BCC9-577B9352EA97}" type="datetimeFigureOut">
               <a:rPr lang="en-US" smtClean="0"/>
+              <a:t>4/7/2023</a:t>
             </a:fld>
             <a:endParaRPr lang="en-US"/>
           </a:p>
@@ -296,6 +294,7 @@
           <a:p>
             <a:fld id="{9B618960-8005-486C-9A75-10CB2AAC16F9}" type="slidenum">
               <a:rPr lang="en-US" smtClean="0"/>
+              <a:t>‹#›</a:t>
             </a:fld>
             <a:endParaRPr lang="en-US"/>
           </a:p>
@@ -342,10 +341,9 @@
           <a:lstStyle/>
           <a:p>
             <a:r>
-              <a:rPr lang="en-US" smtClean="0"/>
+              <a:rPr lang="en-US"/>
               <a:t>Click to edit Master title style</a:t>
             </a:r>
-            <a:endParaRPr lang="en-US"/>
           </a:p>
         </p:txBody>
       </p:sp>
@@ -366,42 +364,37 @@
           <a:p>
             <a:pPr lvl="0"/>
             <a:r>
-              <a:rPr lang="en-US" smtClean="0"/>
+              <a:rPr lang="en-US"/>
               <a:t>Click to edit Master text styles</a:t>
             </a:r>
-            <a:endParaRPr lang="en-US" smtClean="0"/>
           </a:p>
           <a:p>
             <a:pPr lvl="1"/>
             <a:r>
-              <a:rPr lang="en-US" smtClean="0"/>
+              <a:rPr lang="en-US"/>
               <a:t>Second level</a:t>
             </a:r>
-            <a:endParaRPr lang="en-US" smtClean="0"/>
           </a:p>
           <a:p>
             <a:pPr lvl="2"/>
             <a:r>
-              <a:rPr lang="en-US" smtClean="0"/>
+              <a:rPr lang="en-US"/>
               <a:t>Third level</a:t>
             </a:r>
-            <a:endParaRPr lang="en-US" smtClean="0"/>
           </a:p>
           <a:p>
             <a:pPr lvl="3"/>
             <a:r>
-              <a:rPr lang="en-US" smtClean="0"/>
+              <a:rPr lang="en-US"/>
               <a:t>Fourth level</a:t>
             </a:r>
-            <a:endParaRPr lang="en-US" smtClean="0"/>
           </a:p>
           <a:p>
             <a:pPr lvl="4"/>
             <a:r>
-              <a:rPr lang="en-US" smtClean="0"/>
+              <a:rPr lang="en-US"/>
               <a:t>Fifth level</a:t>
             </a:r>
-            <a:endParaRPr lang="en-US"/>
           </a:p>
         </p:txBody>
       </p:sp>
@@ -422,6 +415,7 @@
           <a:p>
             <a:fld id="{63A1C593-65D0-4073-BCC9-577B9352EA97}" type="datetimeFigureOut">
               <a:rPr lang="en-US" smtClean="0"/>
+              <a:t>4/7/2023</a:t>
             </a:fld>
             <a:endParaRPr lang="en-US"/>
           </a:p>
@@ -463,6 +457,7 @@
           <a:p>
             <a:fld id="{9B618960-8005-486C-9A75-10CB2AAC16F9}" type="slidenum">
               <a:rPr lang="en-US" smtClean="0"/>
+              <a:t>‹#›</a:t>
             </a:fld>
             <a:endParaRPr lang="en-US"/>
           </a:p>
@@ -514,10 +509,9 @@
           <a:lstStyle/>
           <a:p>
             <a:r>
-              <a:rPr lang="en-US" smtClean="0"/>
+              <a:rPr lang="en-US"/>
               <a:t>Click to edit Master title style</a:t>
             </a:r>
-            <a:endParaRPr lang="en-US"/>
           </a:p>
         </p:txBody>
       </p:sp>
@@ -543,42 +537,37 @@
           <a:p>
             <a:pPr lvl="0"/>
             <a:r>
-              <a:rPr lang="en-US" smtClean="0"/>
+              <a:rPr lang="en-US"/>
               <a:t>Click to edit Master text styles</a:t>
             </a:r>
-            <a:endParaRPr lang="en-US" smtClean="0"/>
           </a:p>
           <a:p>
             <a:pPr lvl="1"/>
             <a:r>
-              <a:rPr lang="en-US" smtClean="0"/>
+              <a:rPr lang="en-US"/>
               <a:t>Second level</a:t>
             </a:r>
-            <a:endParaRPr lang="en-US" smtClean="0"/>
           </a:p>
           <a:p>
             <a:pPr lvl="2"/>
             <a:r>
-              <a:rPr lang="en-US" smtClean="0"/>
+              <a:rPr lang="en-US"/>
               <a:t>Third level</a:t>
             </a:r>
-            <a:endParaRPr lang="en-US" smtClean="0"/>
           </a:p>
           <a:p>
             <a:pPr lvl="3"/>
             <a:r>
-              <a:rPr lang="en-US" smtClean="0"/>
+              <a:rPr lang="en-US"/>
               <a:t>Fourth level</a:t>
             </a:r>
-            <a:endParaRPr lang="en-US" smtClean="0"/>
           </a:p>
           <a:p>
             <a:pPr lvl="4"/>
             <a:r>
-              <a:rPr lang="en-US" smtClean="0"/>
+              <a:rPr lang="en-US"/>
               <a:t>Fifth level</a:t>
             </a:r>
-            <a:endParaRPr lang="en-US"/>
           </a:p>
         </p:txBody>
       </p:sp>
@@ -599,6 +588,7 @@
           <a:p>
             <a:fld id="{63A1C593-65D0-4073-BCC9-577B9352EA97}" type="datetimeFigureOut">
               <a:rPr lang="en-US" smtClean="0"/>
+              <a:t>4/7/2023</a:t>
             </a:fld>
             <a:endParaRPr lang="en-US"/>
           </a:p>
@@ -640,6 +630,7 @@
           <a:p>
             <a:fld id="{9B618960-8005-486C-9A75-10CB2AAC16F9}" type="slidenum">
               <a:rPr lang="en-US" smtClean="0"/>
+              <a:t>‹#›</a:t>
             </a:fld>
             <a:endParaRPr lang="en-US"/>
           </a:p>
@@ -686,10 +677,9 @@
           <a:lstStyle/>
           <a:p>
             <a:r>
-              <a:rPr lang="en-US" smtClean="0"/>
+              <a:rPr lang="en-US"/>
               <a:t>Click to edit Master title style</a:t>
             </a:r>
-            <a:endParaRPr lang="en-US"/>
           </a:p>
         </p:txBody>
       </p:sp>
@@ -710,42 +700,37 @@
           <a:p>
             <a:pPr lvl="0"/>
             <a:r>
-              <a:rPr lang="en-US" smtClean="0"/>
+              <a:rPr lang="en-US"/>
               <a:t>Click to edit Master text styles</a:t>
             </a:r>
-            <a:endParaRPr lang="en-US" smtClean="0"/>
           </a:p>
           <a:p>
             <a:pPr lvl="1"/>
             <a:r>
-              <a:rPr lang="en-US" smtClean="0"/>
+              <a:rPr lang="en-US"/>
               <a:t>Second level</a:t>
             </a:r>
-            <a:endParaRPr lang="en-US" smtClean="0"/>
           </a:p>
           <a:p>
             <a:pPr lvl="2"/>
             <a:r>
-              <a:rPr lang="en-US" smtClean="0"/>
+              <a:rPr lang="en-US"/>
               <a:t>Third level</a:t>
             </a:r>
-            <a:endParaRPr lang="en-US" smtClean="0"/>
           </a:p>
           <a:p>
             <a:pPr lvl="3"/>
             <a:r>
-              <a:rPr lang="en-US" smtClean="0"/>
+              <a:rPr lang="en-US"/>
               <a:t>Fourth level</a:t>
             </a:r>
-            <a:endParaRPr lang="en-US" smtClean="0"/>
           </a:p>
           <a:p>
             <a:pPr lvl="4"/>
             <a:r>
-              <a:rPr lang="en-US" smtClean="0"/>
+              <a:rPr lang="en-US"/>
               <a:t>Fifth level</a:t>
             </a:r>
-            <a:endParaRPr lang="en-US"/>
           </a:p>
         </p:txBody>
       </p:sp>
@@ -766,6 +751,7 @@
           <a:p>
             <a:fld id="{63A1C593-65D0-4073-BCC9-577B9352EA97}" type="datetimeFigureOut">
               <a:rPr lang="en-US" smtClean="0"/>
+              <a:t>4/7/2023</a:t>
             </a:fld>
             <a:endParaRPr lang="en-US"/>
           </a:p>
@@ -807,6 +793,7 @@
           <a:p>
             <a:fld id="{9B618960-8005-486C-9A75-10CB2AAC16F9}" type="slidenum">
               <a:rPr lang="en-US" smtClean="0"/>
+              <a:t>‹#›</a:t>
             </a:fld>
             <a:endParaRPr lang="en-US"/>
           </a:p>
@@ -862,10 +849,9 @@
           </a:lstStyle>
           <a:p>
             <a:r>
-              <a:rPr lang="en-US" smtClean="0"/>
+              <a:rPr lang="en-US"/>
               <a:t>Click to edit Master title style</a:t>
             </a:r>
-            <a:endParaRPr lang="en-US"/>
           </a:p>
         </p:txBody>
       </p:sp>
@@ -982,10 +968,9 @@
           <a:p>
             <a:pPr lvl="0"/>
             <a:r>
-              <a:rPr lang="en-US" smtClean="0"/>
+              <a:rPr lang="en-US"/>
               <a:t>Click to edit Master text styles</a:t>
             </a:r>
-            <a:endParaRPr lang="en-US" smtClean="0"/>
           </a:p>
         </p:txBody>
       </p:sp>
@@ -1006,6 +991,7 @@
           <a:p>
             <a:fld id="{63A1C593-65D0-4073-BCC9-577B9352EA97}" type="datetimeFigureOut">
               <a:rPr lang="en-US" smtClean="0"/>
+              <a:t>4/7/2023</a:t>
             </a:fld>
             <a:endParaRPr lang="en-US"/>
           </a:p>
@@ -1047,6 +1033,7 @@
           <a:p>
             <a:fld id="{9B618960-8005-486C-9A75-10CB2AAC16F9}" type="slidenum">
               <a:rPr lang="en-US" smtClean="0"/>
+              <a:t>‹#›</a:t>
             </a:fld>
             <a:endParaRPr lang="en-US"/>
           </a:p>
@@ -1093,10 +1080,9 @@
           <a:lstStyle/>
           <a:p>
             <a:r>
-              <a:rPr lang="en-US" smtClean="0"/>
+              <a:rPr lang="en-US"/>
               <a:t>Click to edit Master title style</a:t>
             </a:r>
-            <a:endParaRPr lang="en-US"/>
           </a:p>
         </p:txBody>
       </p:sp>
@@ -1122,42 +1108,37 @@
           <a:p>
             <a:pPr lvl="0"/>
             <a:r>
-              <a:rPr lang="en-US" smtClean="0"/>
+              <a:rPr lang="en-US"/>
               <a:t>Click to edit Master text styles</a:t>
             </a:r>
-            <a:endParaRPr lang="en-US" smtClean="0"/>
           </a:p>
           <a:p>
             <a:pPr lvl="1"/>
             <a:r>
-              <a:rPr lang="en-US" smtClean="0"/>
+              <a:rPr lang="en-US"/>
               <a:t>Second level</a:t>
             </a:r>
-            <a:endParaRPr lang="en-US" smtClean="0"/>
           </a:p>
           <a:p>
             <a:pPr lvl="2"/>
             <a:r>
-              <a:rPr lang="en-US" smtClean="0"/>
+              <a:rPr lang="en-US"/>
               <a:t>Third level</a:t>
             </a:r>
-            <a:endParaRPr lang="en-US" smtClean="0"/>
           </a:p>
           <a:p>
             <a:pPr lvl="3"/>
             <a:r>
-              <a:rPr lang="en-US" smtClean="0"/>
+              <a:rPr lang="en-US"/>
               <a:t>Fourth level</a:t>
             </a:r>
-            <a:endParaRPr lang="en-US" smtClean="0"/>
           </a:p>
           <a:p>
             <a:pPr lvl="4"/>
             <a:r>
-              <a:rPr lang="en-US" smtClean="0"/>
+              <a:rPr lang="en-US"/>
               <a:t>Fifth level</a:t>
             </a:r>
-            <a:endParaRPr lang="en-US"/>
           </a:p>
         </p:txBody>
       </p:sp>
@@ -1183,42 +1164,37 @@
           <a:p>
             <a:pPr lvl="0"/>
             <a:r>
-              <a:rPr lang="en-US" smtClean="0"/>
+              <a:rPr lang="en-US"/>
               <a:t>Click to edit Master text styles</a:t>
             </a:r>
-            <a:endParaRPr lang="en-US" smtClean="0"/>
           </a:p>
           <a:p>
             <a:pPr lvl="1"/>
             <a:r>
-              <a:rPr lang="en-US" smtClean="0"/>
+              <a:rPr lang="en-US"/>
               <a:t>Second level</a:t>
             </a:r>
-            <a:endParaRPr lang="en-US" smtClean="0"/>
           </a:p>
           <a:p>
             <a:pPr lvl="2"/>
             <a:r>
-              <a:rPr lang="en-US" smtClean="0"/>
+              <a:rPr lang="en-US"/>
               <a:t>Third level</a:t>
             </a:r>
-            <a:endParaRPr lang="en-US" smtClean="0"/>
           </a:p>
           <a:p>
             <a:pPr lvl="3"/>
             <a:r>
-              <a:rPr lang="en-US" smtClean="0"/>
+              <a:rPr lang="en-US"/>
               <a:t>Fourth level</a:t>
             </a:r>
-            <a:endParaRPr lang="en-US" smtClean="0"/>
           </a:p>
           <a:p>
             <a:pPr lvl="4"/>
             <a:r>
-              <a:rPr lang="en-US" smtClean="0"/>
+              <a:rPr lang="en-US"/>
               <a:t>Fifth level</a:t>
             </a:r>
-            <a:endParaRPr lang="en-US"/>
           </a:p>
         </p:txBody>
       </p:sp>
@@ -1239,6 +1215,7 @@
           <a:p>
             <a:fld id="{63A1C593-65D0-4073-BCC9-577B9352EA97}" type="datetimeFigureOut">
               <a:rPr lang="en-US" smtClean="0"/>
+              <a:t>4/7/2023</a:t>
             </a:fld>
             <a:endParaRPr lang="en-US"/>
           </a:p>
@@ -1280,6 +1257,7 @@
           <a:p>
             <a:fld id="{9B618960-8005-486C-9A75-10CB2AAC16F9}" type="slidenum">
               <a:rPr lang="en-US" smtClean="0"/>
+              <a:t>‹#›</a:t>
             </a:fld>
             <a:endParaRPr lang="en-US"/>
           </a:p>
@@ -1331,10 +1309,9 @@
           <a:lstStyle/>
           <a:p>
             <a:r>
-              <a:rPr lang="en-US" smtClean="0"/>
+              <a:rPr lang="en-US"/>
               <a:t>Click to edit Master title style</a:t>
             </a:r>
-            <a:endParaRPr lang="en-US"/>
           </a:p>
         </p:txBody>
       </p:sp>
@@ -1397,10 +1374,9 @@
           <a:p>
             <a:pPr lvl="0"/>
             <a:r>
-              <a:rPr lang="en-US" smtClean="0"/>
+              <a:rPr lang="en-US"/>
               <a:t>Click to edit Master text styles</a:t>
             </a:r>
-            <a:endParaRPr lang="en-US" smtClean="0"/>
           </a:p>
         </p:txBody>
       </p:sp>
@@ -1426,42 +1402,37 @@
           <a:p>
             <a:pPr lvl="0"/>
             <a:r>
-              <a:rPr lang="en-US" smtClean="0"/>
+              <a:rPr lang="en-US"/>
               <a:t>Click to edit Master text styles</a:t>
             </a:r>
-            <a:endParaRPr lang="en-US" smtClean="0"/>
           </a:p>
           <a:p>
             <a:pPr lvl="1"/>
             <a:r>
-              <a:rPr lang="en-US" smtClean="0"/>
+              <a:rPr lang="en-US"/>
               <a:t>Second level</a:t>
             </a:r>
-            <a:endParaRPr lang="en-US" smtClean="0"/>
           </a:p>
           <a:p>
             <a:pPr lvl="2"/>
             <a:r>
-              <a:rPr lang="en-US" smtClean="0"/>
+              <a:rPr lang="en-US"/>
               <a:t>Third level</a:t>
             </a:r>
-            <a:endParaRPr lang="en-US" smtClean="0"/>
           </a:p>
           <a:p>
             <a:pPr lvl="3"/>
             <a:r>
-              <a:rPr lang="en-US" smtClean="0"/>
+              <a:rPr lang="en-US"/>
               <a:t>Fourth level</a:t>
             </a:r>
-            <a:endParaRPr lang="en-US" smtClean="0"/>
           </a:p>
           <a:p>
             <a:pPr lvl="4"/>
             <a:r>
-              <a:rPr lang="en-US" smtClean="0"/>
+              <a:rPr lang="en-US"/>
               <a:t>Fifth level</a:t>
             </a:r>
-            <a:endParaRPr lang="en-US"/>
           </a:p>
         </p:txBody>
       </p:sp>
@@ -1524,10 +1495,9 @@
           <a:p>
             <a:pPr lvl="0"/>
             <a:r>
-              <a:rPr lang="en-US" smtClean="0"/>
+              <a:rPr lang="en-US"/>
               <a:t>Click to edit Master text styles</a:t>
             </a:r>
-            <a:endParaRPr lang="en-US" smtClean="0"/>
           </a:p>
         </p:txBody>
       </p:sp>
@@ -1553,42 +1523,37 @@
           <a:p>
             <a:pPr lvl="0"/>
             <a:r>
-              <a:rPr lang="en-US" smtClean="0"/>
+              <a:rPr lang="en-US"/>
               <a:t>Click to edit Master text styles</a:t>
             </a:r>
-            <a:endParaRPr lang="en-US" smtClean="0"/>
           </a:p>
           <a:p>
             <a:pPr lvl="1"/>
             <a:r>
-              <a:rPr lang="en-US" smtClean="0"/>
+              <a:rPr lang="en-US"/>
               <a:t>Second level</a:t>
             </a:r>
-            <a:endParaRPr lang="en-US" smtClean="0"/>
           </a:p>
           <a:p>
             <a:pPr lvl="2"/>
             <a:r>
-              <a:rPr lang="en-US" smtClean="0"/>
+              <a:rPr lang="en-US"/>
               <a:t>Third level</a:t>
             </a:r>
-            <a:endParaRPr lang="en-US" smtClean="0"/>
           </a:p>
           <a:p>
             <a:pPr lvl="3"/>
             <a:r>
-              <a:rPr lang="en-US" smtClean="0"/>
+              <a:rPr lang="en-US"/>
               <a:t>Fourth level</a:t>
             </a:r>
-            <a:endParaRPr lang="en-US" smtClean="0"/>
           </a:p>
           <a:p>
             <a:pPr lvl="4"/>
             <a:r>
-              <a:rPr lang="en-US" smtClean="0"/>
+              <a:rPr lang="en-US"/>
               <a:t>Fifth level</a:t>
             </a:r>
-            <a:endParaRPr lang="en-US"/>
           </a:p>
         </p:txBody>
       </p:sp>
@@ -1609,6 +1574,7 @@
           <a:p>
             <a:fld id="{63A1C593-65D0-4073-BCC9-577B9352EA97}" type="datetimeFigureOut">
               <a:rPr lang="en-US" smtClean="0"/>
+              <a:t>4/7/2023</a:t>
             </a:fld>
             <a:endParaRPr lang="en-US"/>
           </a:p>
@@ -1650,6 +1616,7 @@
           <a:p>
             <a:fld id="{9B618960-8005-486C-9A75-10CB2AAC16F9}" type="slidenum">
               <a:rPr lang="en-US" smtClean="0"/>
+              <a:t>‹#›</a:t>
             </a:fld>
             <a:endParaRPr lang="en-US"/>
           </a:p>
@@ -1696,10 +1663,9 @@
           <a:lstStyle/>
           <a:p>
             <a:r>
-              <a:rPr lang="en-US" smtClean="0"/>
+              <a:rPr lang="en-US"/>
               <a:t>Click to edit Master title style</a:t>
             </a:r>
-            <a:endParaRPr lang="en-US"/>
           </a:p>
         </p:txBody>
       </p:sp>
@@ -1720,6 +1686,7 @@
           <a:p>
             <a:fld id="{63A1C593-65D0-4073-BCC9-577B9352EA97}" type="datetimeFigureOut">
               <a:rPr lang="en-US" smtClean="0"/>
+              <a:t>4/7/2023</a:t>
             </a:fld>
             <a:endParaRPr lang="en-US"/>
           </a:p>
@@ -1761,6 +1728,7 @@
           <a:p>
             <a:fld id="{9B618960-8005-486C-9A75-10CB2AAC16F9}" type="slidenum">
               <a:rPr lang="en-US" smtClean="0"/>
+              <a:t>‹#›</a:t>
             </a:fld>
             <a:endParaRPr lang="en-US"/>
           </a:p>
@@ -1808,6 +1776,7 @@
           <a:p>
             <a:fld id="{63A1C593-65D0-4073-BCC9-577B9352EA97}" type="datetimeFigureOut">
               <a:rPr lang="en-US" smtClean="0"/>
+              <a:t>4/7/2023</a:t>
             </a:fld>
             <a:endParaRPr lang="en-US"/>
           </a:p>
@@ -1849,6 +1818,7 @@
           <a:p>
             <a:fld id="{9B618960-8005-486C-9A75-10CB2AAC16F9}" type="slidenum">
               <a:rPr lang="en-US" smtClean="0"/>
+              <a:t>‹#›</a:t>
             </a:fld>
             <a:endParaRPr lang="en-US"/>
           </a:p>
@@ -1904,10 +1874,9 @@
           </a:lstStyle>
           <a:p>
             <a:r>
-              <a:rPr lang="en-US" smtClean="0"/>
+              <a:rPr lang="en-US"/>
               <a:t>Click to edit Master title style</a:t>
             </a:r>
-            <a:endParaRPr lang="en-US"/>
           </a:p>
         </p:txBody>
       </p:sp>
@@ -1961,42 +1930,37 @@
           <a:p>
             <a:pPr lvl="0"/>
             <a:r>
-              <a:rPr lang="en-US" smtClean="0"/>
+              <a:rPr lang="en-US"/>
               <a:t>Click to edit Master text styles</a:t>
             </a:r>
-            <a:endParaRPr lang="en-US" smtClean="0"/>
           </a:p>
           <a:p>
             <a:pPr lvl="1"/>
             <a:r>
-              <a:rPr lang="en-US" smtClean="0"/>
+              <a:rPr lang="en-US"/>
               <a:t>Second level</a:t>
             </a:r>
-            <a:endParaRPr lang="en-US" smtClean="0"/>
           </a:p>
           <a:p>
             <a:pPr lvl="2"/>
             <a:r>
-              <a:rPr lang="en-US" smtClean="0"/>
+              <a:rPr lang="en-US"/>
               <a:t>Third level</a:t>
             </a:r>
-            <a:endParaRPr lang="en-US" smtClean="0"/>
           </a:p>
           <a:p>
             <a:pPr lvl="3"/>
             <a:r>
-              <a:rPr lang="en-US" smtClean="0"/>
+              <a:rPr lang="en-US"/>
               <a:t>Fourth level</a:t>
             </a:r>
-            <a:endParaRPr lang="en-US" smtClean="0"/>
           </a:p>
           <a:p>
             <a:pPr lvl="4"/>
             <a:r>
-              <a:rPr lang="en-US" smtClean="0"/>
+              <a:rPr lang="en-US"/>
               <a:t>Fifth level</a:t>
             </a:r>
-            <a:endParaRPr lang="en-US"/>
           </a:p>
         </p:txBody>
       </p:sp>
@@ -2059,10 +2023,9 @@
           <a:p>
             <a:pPr lvl="0"/>
             <a:r>
-              <a:rPr lang="en-US" smtClean="0"/>
+              <a:rPr lang="en-US"/>
               <a:t>Click to edit Master text styles</a:t>
             </a:r>
-            <a:endParaRPr lang="en-US" smtClean="0"/>
           </a:p>
         </p:txBody>
       </p:sp>
@@ -2083,6 +2046,7 @@
           <a:p>
             <a:fld id="{63A1C593-65D0-4073-BCC9-577B9352EA97}" type="datetimeFigureOut">
               <a:rPr lang="en-US" smtClean="0"/>
+              <a:t>4/7/2023</a:t>
             </a:fld>
             <a:endParaRPr lang="en-US"/>
           </a:p>
@@ -2124,6 +2088,7 @@
           <a:p>
             <a:fld id="{9B618960-8005-486C-9A75-10CB2AAC16F9}" type="slidenum">
               <a:rPr lang="en-US" smtClean="0"/>
+              <a:t>‹#›</a:t>
             </a:fld>
             <a:endParaRPr lang="en-US"/>
           </a:p>
@@ -2179,10 +2144,9 @@
           </a:lstStyle>
           <a:p>
             <a:r>
-              <a:rPr lang="en-US" smtClean="0"/>
+              <a:rPr lang="en-US"/>
               <a:t>Click to edit Master title style</a:t>
             </a:r>
-            <a:endParaRPr lang="en-US"/>
           </a:p>
         </p:txBody>
       </p:sp>
@@ -2306,10 +2270,9 @@
           <a:p>
             <a:pPr lvl="0"/>
             <a:r>
-              <a:rPr lang="en-US" smtClean="0"/>
+              <a:rPr lang="en-US"/>
               <a:t>Click to edit Master text styles</a:t>
             </a:r>
-            <a:endParaRPr lang="en-US" smtClean="0"/>
           </a:p>
         </p:txBody>
       </p:sp>
@@ -2330,6 +2293,7 @@
           <a:p>
             <a:fld id="{63A1C593-65D0-4073-BCC9-577B9352EA97}" type="datetimeFigureOut">
               <a:rPr lang="en-US" smtClean="0"/>
+              <a:t>4/7/2023</a:t>
             </a:fld>
             <a:endParaRPr lang="en-US"/>
           </a:p>
@@ -2371,6 +2335,7 @@
           <a:p>
             <a:fld id="{9B618960-8005-486C-9A75-10CB2AAC16F9}" type="slidenum">
               <a:rPr lang="en-US" smtClean="0"/>
+              <a:t>‹#›</a:t>
             </a:fld>
             <a:endParaRPr lang="en-US"/>
           </a:p>
@@ -2432,10 +2397,9 @@
           <a:lstStyle/>
           <a:p>
             <a:r>
-              <a:rPr lang="en-US" smtClean="0"/>
+              <a:rPr lang="en-US"/>
               <a:t>Click to edit Master title style</a:t>
             </a:r>
-            <a:endParaRPr lang="en-US"/>
           </a:p>
         </p:txBody>
       </p:sp>
@@ -2466,42 +2430,37 @@
           <a:p>
             <a:pPr lvl="0"/>
             <a:r>
-              <a:rPr lang="en-US" smtClean="0"/>
+              <a:rPr lang="en-US"/>
               <a:t>Click to edit Master text styles</a:t>
             </a:r>
-            <a:endParaRPr lang="en-US" smtClean="0"/>
           </a:p>
           <a:p>
             <a:pPr lvl="1"/>
             <a:r>
-              <a:rPr lang="en-US" smtClean="0"/>
+              <a:rPr lang="en-US"/>
               <a:t>Second level</a:t>
             </a:r>
-            <a:endParaRPr lang="en-US" smtClean="0"/>
           </a:p>
           <a:p>
             <a:pPr lvl="2"/>
             <a:r>
-              <a:rPr lang="en-US" smtClean="0"/>
+              <a:rPr lang="en-US"/>
               <a:t>Third level</a:t>
             </a:r>
-            <a:endParaRPr lang="en-US" smtClean="0"/>
           </a:p>
           <a:p>
             <a:pPr lvl="3"/>
             <a:r>
-              <a:rPr lang="en-US" smtClean="0"/>
+              <a:rPr lang="en-US"/>
               <a:t>Fourth level</a:t>
             </a:r>
-            <a:endParaRPr lang="en-US" smtClean="0"/>
           </a:p>
           <a:p>
             <a:pPr lvl="4"/>
             <a:r>
-              <a:rPr lang="en-US" smtClean="0"/>
+              <a:rPr lang="en-US"/>
               <a:t>Fifth level</a:t>
             </a:r>
-            <a:endParaRPr lang="en-US"/>
           </a:p>
         </p:txBody>
       </p:sp>
@@ -2540,6 +2499,7 @@
           <a:p>
             <a:fld id="{63A1C593-65D0-4073-BCC9-577B9352EA97}" type="datetimeFigureOut">
               <a:rPr lang="en-US" smtClean="0"/>
+              <a:t>4/7/2023</a:t>
             </a:fld>
             <a:endParaRPr lang="en-US"/>
           </a:p>
@@ -2617,6 +2577,7 @@
           <a:p>
             <a:fld id="{9B618960-8005-486C-9A75-10CB2AAC16F9}" type="slidenum">
               <a:rPr lang="en-US" smtClean="0"/>
+              <a:t>‹#›</a:t>
             </a:fld>
             <a:endParaRPr lang="en-US"/>
           </a:p>
@@ -2957,7 +2918,6 @@
               <a:rPr lang="en-US" dirty="0"/>
               <a:t>DSP w1 noise</a:t>
             </a:r>
-            <a:endParaRPr lang="en-US" dirty="0"/>
           </a:p>
         </p:txBody>
       </p:sp>
@@ -2997,10 +2957,23 @@
         <p:cNvGrpSpPr/>
         <p:nvPr/>
       </p:nvGrpSpPr>
-      <p:grpSpPr/>
-      <p:sp>
-        <p:nvSpPr>
-          <p:cNvPr id="4" name="Title 3"/>
+      <p:grpSpPr>
+        <a:xfrm>
+          <a:off x="0" y="0"/>
+          <a:ext cx="0" cy="0"/>
+          <a:chOff x="0" y="0"/>
+          <a:chExt cx="0" cy="0"/>
+        </a:xfrm>
+      </p:grpSpPr>
+      <p:sp>
+        <p:nvSpPr>
+          <p:cNvPr id="2" name="標題 1">
+            <a:extLst>
+              <a:ext uri="{FF2B5EF4-FFF2-40B4-BE49-F238E27FC236}">
+                <a16:creationId xmlns:a16="http://schemas.microsoft.com/office/drawing/2014/main" id="{79C34805-60AD-C2FC-7863-CC72C9881F1D}"/>
+              </a:ext>
+            </a:extLst>
+          </p:cNvPr>
           <p:cNvSpPr>
             <a:spLocks noGrp="1"/>
           </p:cNvSpPr>
@@ -3011,703 +2984,103 @@
         <p:spPr/>
         <p:txBody>
           <a:bodyPr/>
-          <a:p>
-            <a:endParaRPr lang="en-US"/>
-          </a:p>
-        </p:txBody>
-      </p:sp>
-      <p:graphicFrame>
-        <p:nvGraphicFramePr>
-          <p:cNvPr id="7" name="Content Placeholder 6"/>
-          <p:cNvGraphicFramePr/>
+          <a:lstStyle/>
+          <a:p>
+            <a:endParaRPr lang="zh-TW" altLang="en-US"/>
+          </a:p>
+        </p:txBody>
+      </p:sp>
+      <p:sp>
+        <p:nvSpPr>
+          <p:cNvPr id="3" name="內容版面配置區 2">
+            <a:extLst>
+              <a:ext uri="{FF2B5EF4-FFF2-40B4-BE49-F238E27FC236}">
+                <a16:creationId xmlns:a16="http://schemas.microsoft.com/office/drawing/2014/main" id="{11F1DD96-D6A2-D8D2-AF55-574E002F559C}"/>
+              </a:ext>
+            </a:extLst>
+          </p:cNvPr>
+          <p:cNvSpPr>
+            <a:spLocks noGrp="1"/>
+          </p:cNvSpPr>
           <p:nvPr>
             <p:ph idx="1"/>
           </p:nvPr>
-        </p:nvGraphicFramePr>
-        <p:xfrm>
-          <a:off x="838200" y="1825625"/>
-          <a:ext cx="10515600" cy="3884930"/>
-        </p:xfrm>
-        <a:graphic>
-          <a:graphicData uri="http://schemas.openxmlformats.org/drawingml/2006/table">
-            <a:tbl>
-              <a:tblPr firstRow="1" bandRow="1">
-                <a:tableStyleId>{5C22544A-7EE6-4342-B048-85BDC9FD1C3A}</a:tableStyleId>
-              </a:tblPr>
-              <a:tblGrid>
-                <a:gridCol w="1824355"/>
-                <a:gridCol w="1448435"/>
-                <a:gridCol w="1448435"/>
-                <a:gridCol w="1449070"/>
-                <a:gridCol w="1447800"/>
-                <a:gridCol w="1449070"/>
-                <a:gridCol w="1448435"/>
-              </a:tblGrid>
-              <a:tr h="982980">
-                <a:tc>
-                  <a:txBody>
-                    <a:bodyPr/>
-                    <a:p>
-                      <a:pPr>
-                        <a:buNone/>
-                      </a:pPr>
-                      <a:r>
-                        <a:rPr lang="en-US"/>
-                        <a:t>Sampling rate</a:t>
-                      </a:r>
-                      <a:endParaRPr lang="en-US"/>
-                    </a:p>
-                  </a:txBody>
-                  <a:tcPr/>
-                </a:tc>
-                <a:tc rowSpan="2">
-                  <a:txBody>
-                    <a:bodyPr/>
-                    <a:p>
-                      <a:pPr>
-                        <a:buNone/>
-                      </a:pPr>
-                      <a:r>
-                        <a:rPr lang="en-US"/>
-                        <a:t>480</a:t>
-                      </a:r>
-                      <a:endParaRPr lang="en-US"/>
-                    </a:p>
-                  </a:txBody>
-                  <a:tcPr/>
-                </a:tc>
-                <a:tc rowSpan="2">
-                  <a:txBody>
-                    <a:bodyPr/>
-                    <a:p>
-                      <a:pPr>
-                        <a:buNone/>
-                      </a:pPr>
-                      <a:r>
-                        <a:rPr lang="en-US"/>
-                        <a:t>240</a:t>
-                      </a:r>
-                      <a:endParaRPr lang="en-US"/>
-                    </a:p>
-                  </a:txBody>
-                  <a:tcPr/>
-                </a:tc>
-                <a:tc rowSpan="2">
-                  <a:txBody>
-                    <a:bodyPr/>
-                    <a:p>
-                      <a:pPr>
-                        <a:buNone/>
-                      </a:pPr>
-                      <a:r>
-                        <a:rPr lang="en-US"/>
-                        <a:t>120</a:t>
-                      </a:r>
-                      <a:endParaRPr lang="en-US"/>
-                    </a:p>
-                  </a:txBody>
-                  <a:tcPr/>
-                </a:tc>
-                <a:tc rowSpan="2">
-                  <a:txBody>
-                    <a:bodyPr/>
-                    <a:p>
-                      <a:pPr>
-                        <a:buNone/>
-                      </a:pPr>
-                      <a:r>
-                        <a:rPr lang="en-US"/>
-                        <a:t>60</a:t>
-                      </a:r>
-                      <a:endParaRPr lang="en-US"/>
-                    </a:p>
-                  </a:txBody>
-                  <a:tcPr/>
-                </a:tc>
-                <a:tc rowSpan="2">
-                  <a:txBody>
-                    <a:bodyPr/>
-                    <a:p>
-                      <a:pPr>
-                        <a:buNone/>
-                      </a:pPr>
-                      <a:r>
-                        <a:rPr lang="en-US"/>
-                        <a:t>30</a:t>
-                      </a:r>
-                      <a:endParaRPr lang="en-US"/>
-                    </a:p>
-                  </a:txBody>
-                  <a:tcPr/>
-                </a:tc>
-                <a:tc rowSpan="2">
-                  <a:txBody>
-                    <a:bodyPr/>
-                    <a:p>
-                      <a:pPr>
-                        <a:buNone/>
-                      </a:pPr>
-                      <a:r>
-                        <a:rPr lang="en-US"/>
-                        <a:t>15</a:t>
-                      </a:r>
-                      <a:endParaRPr lang="en-US"/>
-                    </a:p>
-                  </a:txBody>
-                  <a:tcPr/>
-                </a:tc>
-              </a:tr>
-              <a:tr h="561340">
-                <a:tc>
-                  <a:txBody>
-                    <a:bodyPr/>
-                    <a:p>
-                      <a:pPr>
-                        <a:buNone/>
-                      </a:pPr>
-                      <a:r>
-                        <a:rPr lang="en-US"/>
-                        <a:t>Signal</a:t>
-                      </a:r>
-                      <a:endParaRPr lang="en-US"/>
-                    </a:p>
-                  </a:txBody>
-                  <a:tcPr/>
-                </a:tc>
-                <a:tc vMerge="1">
-                  <a:tcPr/>
-                </a:tc>
-                <a:tc vMerge="1">
-                  <a:tcPr/>
-                </a:tc>
-                <a:tc vMerge="1">
-                  <a:tcPr/>
-                </a:tc>
-                <a:tc vMerge="1">
-                  <a:tcPr/>
-                </a:tc>
-                <a:tc vMerge="1">
-                  <a:tcPr/>
-                </a:tc>
-                <a:tc vMerge="1">
-                  <a:tcPr/>
-                </a:tc>
-              </a:tr>
-              <a:tr h="585470">
-                <a:tc>
-                  <a:txBody>
-                    <a:bodyPr/>
-                    <a:p>
-                      <a:pPr>
-                        <a:buNone/>
-                      </a:pPr>
-                      <a:r>
-                        <a:rPr lang="en-US"/>
-                        <a:t>A</a:t>
-                      </a:r>
-                      <a:endParaRPr lang="en-US"/>
-                    </a:p>
-                  </a:txBody>
-                  <a:tcPr/>
-                </a:tc>
-                <a:tc>
-                  <a:txBody>
-                    <a:bodyPr/>
-                    <a:p>
-                      <a:pPr>
-                        <a:buNone/>
-                      </a:pPr>
-                      <a:r>
-                        <a:rPr lang="en-US"/>
-                        <a:t>1.23e-05</a:t>
-                      </a:r>
-                      <a:endParaRPr lang="en-US"/>
-                    </a:p>
-                  </a:txBody>
-                  <a:tcPr/>
-                </a:tc>
-                <a:tc>
-                  <a:txBody>
-                    <a:bodyPr/>
-                    <a:p>
-                      <a:pPr>
-                        <a:buNone/>
-                      </a:pPr>
-                      <a:r>
-                        <a:rPr lang="en-US"/>
-                        <a:t>5.79e-05</a:t>
-                      </a:r>
-                      <a:endParaRPr lang="en-US"/>
-                    </a:p>
-                  </a:txBody>
-                  <a:tcPr/>
-                </a:tc>
-                <a:tc>
-                  <a:txBody>
-                    <a:bodyPr/>
-                    <a:p>
-                      <a:pPr>
-                        <a:buNone/>
-                      </a:pPr>
-                      <a:r>
-                        <a:rPr lang="en-US"/>
-                        <a:t>2.4e-04</a:t>
-                      </a:r>
-                      <a:endParaRPr lang="en-US"/>
-                    </a:p>
-                  </a:txBody>
-                  <a:tcPr/>
-                </a:tc>
-                <a:tc>
-                  <a:txBody>
-                    <a:bodyPr/>
-                    <a:p>
-                      <a:pPr>
-                        <a:buNone/>
-                      </a:pPr>
-                      <a:r>
-                        <a:rPr lang="en-US"/>
-                        <a:t>9.4e-04</a:t>
-                      </a:r>
-                      <a:endParaRPr lang="en-US"/>
-                    </a:p>
-                  </a:txBody>
-                  <a:tcPr/>
-                </a:tc>
-                <a:tc>
-                  <a:txBody>
-                    <a:bodyPr/>
-                    <a:p>
-                      <a:pPr>
-                        <a:buNone/>
-                      </a:pPr>
-                      <a:r>
-                        <a:rPr lang="en-US"/>
-                        <a:t>0.00413</a:t>
-                      </a:r>
-                      <a:endParaRPr lang="en-US"/>
-                    </a:p>
-                  </a:txBody>
-                  <a:tcPr/>
-                </a:tc>
-                <a:tc>
-                  <a:txBody>
-                    <a:bodyPr/>
-                    <a:p>
-                      <a:pPr>
-                        <a:buNone/>
-                      </a:pPr>
-                      <a:r>
-                        <a:rPr lang="en-US"/>
-                        <a:t>0.01833</a:t>
-                      </a:r>
-                      <a:endParaRPr lang="en-US"/>
-                    </a:p>
-                  </a:txBody>
-                  <a:tcPr/>
-                </a:tc>
-              </a:tr>
-              <a:tr h="584835">
-                <a:tc>
-                  <a:txBody>
-                    <a:bodyPr/>
-                    <a:p>
-                      <a:pPr>
-                        <a:buNone/>
-                      </a:pPr>
-                      <a:r>
-                        <a:rPr lang="en-US"/>
-                        <a:t>B</a:t>
-                      </a:r>
-                      <a:endParaRPr lang="en-US"/>
-                    </a:p>
-                  </a:txBody>
-                  <a:tcPr/>
-                </a:tc>
-                <a:tc>
-                  <a:txBody>
-                    <a:bodyPr/>
-                    <a:p>
-                      <a:pPr>
-                        <a:buNone/>
-                      </a:pPr>
-                      <a:r>
-                        <a:rPr lang="en-US"/>
-                        <a:t>0.00327</a:t>
-                      </a:r>
-                      <a:endParaRPr lang="en-US"/>
-                    </a:p>
-                  </a:txBody>
-                  <a:tcPr/>
-                </a:tc>
-                <a:tc>
-                  <a:txBody>
-                    <a:bodyPr/>
-                    <a:p>
-                      <a:pPr>
-                        <a:buNone/>
-                      </a:pPr>
-                      <a:r>
-                        <a:rPr lang="en-US"/>
-                        <a:t>0.01626</a:t>
-                      </a:r>
-                      <a:endParaRPr lang="en-US"/>
-                    </a:p>
-                  </a:txBody>
-                  <a:tcPr/>
-                </a:tc>
-                <a:tc>
-                  <a:txBody>
-                    <a:bodyPr/>
-                    <a:p>
-                      <a:pPr>
-                        <a:buNone/>
-                      </a:pPr>
-                      <a:r>
-                        <a:rPr lang="en-US"/>
-                        <a:t>0.06290</a:t>
-                      </a:r>
-                      <a:endParaRPr lang="en-US"/>
-                    </a:p>
-                  </a:txBody>
-                  <a:tcPr/>
-                </a:tc>
-                <a:tc>
-                  <a:txBody>
-                    <a:bodyPr/>
-                    <a:p>
-                      <a:pPr>
-                        <a:buNone/>
-                      </a:pPr>
-                      <a:r>
-                        <a:rPr lang="en-US"/>
-                        <a:t>0.20351</a:t>
-                      </a:r>
-                      <a:endParaRPr lang="en-US"/>
-                    </a:p>
-                  </a:txBody>
-                  <a:tcPr/>
-                </a:tc>
-                <a:tc>
-                  <a:txBody>
-                    <a:bodyPr/>
-                    <a:p>
-                      <a:pPr>
-                        <a:buNone/>
-                      </a:pPr>
-                      <a:r>
-                        <a:rPr lang="en-US"/>
-                        <a:t>0.29909</a:t>
-                      </a:r>
-                      <a:endParaRPr lang="en-US"/>
-                    </a:p>
-                  </a:txBody>
-                  <a:tcPr/>
-                </a:tc>
-                <a:tc>
-                  <a:txBody>
-                    <a:bodyPr/>
-                    <a:p>
-                      <a:pPr>
-                        <a:buNone/>
-                      </a:pPr>
-                      <a:r>
-                        <a:rPr lang="en-US"/>
-                        <a:t>0.35274</a:t>
-                      </a:r>
-                      <a:endParaRPr lang="en-US"/>
-                    </a:p>
-                  </a:txBody>
-                  <a:tcPr/>
-                </a:tc>
-              </a:tr>
-              <a:tr h="585470">
-                <a:tc>
-                  <a:txBody>
-                    <a:bodyPr/>
-                    <a:p>
-                      <a:pPr>
-                        <a:buNone/>
-                      </a:pPr>
-                      <a:r>
-                        <a:rPr lang="en-US"/>
-                        <a:t>C</a:t>
-                      </a:r>
-                      <a:endParaRPr lang="en-US"/>
-                    </a:p>
-                  </a:txBody>
-                  <a:tcPr/>
-                </a:tc>
-                <a:tc>
-                  <a:txBody>
-                    <a:bodyPr/>
-                    <a:p>
-                      <a:pPr>
-                        <a:buNone/>
-                      </a:pPr>
-                      <a:r>
-                        <a:rPr lang="en-US"/>
-                        <a:t>4.30e-05</a:t>
-                      </a:r>
-                      <a:endParaRPr lang="en-US"/>
-                    </a:p>
-                  </a:txBody>
-                  <a:tcPr/>
-                </a:tc>
-                <a:tc>
-                  <a:txBody>
-                    <a:bodyPr/>
-                    <a:p>
-                      <a:pPr>
-                        <a:buNone/>
-                      </a:pPr>
-                      <a:r>
-                        <a:rPr lang="en-US"/>
-                        <a:t>2.09e-04</a:t>
-                      </a:r>
-                      <a:endParaRPr lang="en-US"/>
-                    </a:p>
-                  </a:txBody>
-                  <a:tcPr/>
-                </a:tc>
-                <a:tc>
-                  <a:txBody>
-                    <a:bodyPr/>
-                    <a:p>
-                      <a:pPr>
-                        <a:buNone/>
-                      </a:pPr>
-                      <a:r>
-                        <a:rPr lang="en-US"/>
-                        <a:t>8.70e-04</a:t>
-                      </a:r>
-                      <a:endParaRPr lang="en-US"/>
-                    </a:p>
-                  </a:txBody>
-                  <a:tcPr/>
-                </a:tc>
-                <a:tc>
-                  <a:txBody>
-                    <a:bodyPr/>
-                    <a:p>
-                      <a:pPr>
-                        <a:buNone/>
-                      </a:pPr>
-                      <a:r>
-                        <a:rPr lang="en-US"/>
-                        <a:t>0.00337</a:t>
-                      </a:r>
-                      <a:endParaRPr lang="en-US"/>
-                    </a:p>
-                  </a:txBody>
-                  <a:tcPr/>
-                </a:tc>
-                <a:tc>
-                  <a:txBody>
-                    <a:bodyPr/>
-                    <a:p>
-                      <a:pPr>
-                        <a:buNone/>
-                      </a:pPr>
-                      <a:r>
-                        <a:rPr lang="en-US"/>
-                        <a:t>0.01543</a:t>
-                      </a:r>
-                      <a:endParaRPr lang="en-US"/>
-                    </a:p>
-                  </a:txBody>
-                  <a:tcPr/>
-                </a:tc>
-                <a:tc>
-                  <a:txBody>
-                    <a:bodyPr/>
-                    <a:p>
-                      <a:pPr>
-                        <a:buNone/>
-                      </a:pPr>
-                      <a:r>
-                        <a:rPr lang="en-US"/>
-                        <a:t>0.03342</a:t>
-                      </a:r>
-                      <a:endParaRPr lang="en-US"/>
-                    </a:p>
-                  </a:txBody>
-                  <a:tcPr/>
-                </a:tc>
-              </a:tr>
-              <a:tr h="584835">
-                <a:tc>
-                  <a:txBody>
-                    <a:bodyPr/>
-                    <a:p>
-                      <a:pPr>
-                        <a:buNone/>
-                      </a:pPr>
-                      <a:r>
-                        <a:rPr lang="en-US"/>
-                        <a:t>D</a:t>
-                      </a:r>
-                      <a:endParaRPr lang="en-US"/>
-                    </a:p>
-                  </a:txBody>
-                  <a:tcPr/>
-                </a:tc>
-                <a:tc>
-                  <a:txBody>
-                    <a:bodyPr/>
-                    <a:p>
-                      <a:pPr>
-                        <a:buNone/>
-                      </a:pPr>
-                      <a:r>
-                        <a:rPr lang="en-US"/>
-                        <a:t>0</a:t>
-                      </a:r>
-                      <a:endParaRPr lang="en-US"/>
-                    </a:p>
-                  </a:txBody>
-                  <a:tcPr/>
-                </a:tc>
-                <a:tc>
-                  <a:txBody>
-                    <a:bodyPr/>
-                    <a:p>
-                      <a:pPr>
-                        <a:buNone/>
-                      </a:pPr>
-                      <a:r>
-                        <a:rPr lang="en-US"/>
-                        <a:t>0</a:t>
-                      </a:r>
-                      <a:endParaRPr lang="en-US"/>
-                    </a:p>
-                  </a:txBody>
-                  <a:tcPr/>
-                </a:tc>
-                <a:tc>
-                  <a:txBody>
-                    <a:bodyPr/>
-                    <a:p>
-                      <a:pPr>
-                        <a:buNone/>
-                      </a:pPr>
-                      <a:r>
-                        <a:rPr lang="en-US"/>
-                        <a:t>0.00147</a:t>
-                      </a:r>
-                      <a:endParaRPr lang="en-US"/>
-                    </a:p>
-                  </a:txBody>
-                  <a:tcPr/>
-                </a:tc>
-                <a:tc>
-                  <a:txBody>
-                    <a:bodyPr/>
-                    <a:p>
-                      <a:pPr>
-                        <a:buNone/>
-                      </a:pPr>
-                      <a:r>
-                        <a:rPr lang="en-US"/>
-                        <a:t>0.00658</a:t>
-                      </a:r>
-                      <a:endParaRPr lang="en-US"/>
-                    </a:p>
-                  </a:txBody>
-                  <a:tcPr/>
-                </a:tc>
-                <a:tc>
-                  <a:txBody>
-                    <a:bodyPr/>
-                    <a:p>
-                      <a:pPr>
-                        <a:buNone/>
-                      </a:pPr>
-                      <a:r>
-                        <a:rPr lang="en-US"/>
-                        <a:t>0.02024</a:t>
-                      </a:r>
-                      <a:endParaRPr lang="en-US"/>
-                    </a:p>
-                  </a:txBody>
-                  <a:tcPr/>
-                </a:tc>
-                <a:tc>
-                  <a:txBody>
-                    <a:bodyPr/>
-                    <a:p>
-                      <a:pPr>
-                        <a:buNone/>
-                      </a:pPr>
-                      <a:r>
-                        <a:rPr lang="en-US"/>
-                        <a:t>0.04697</a:t>
-                      </a:r>
-                      <a:endParaRPr lang="en-US"/>
-                    </a:p>
-                  </a:txBody>
-                  <a:tcPr/>
-                </a:tc>
-              </a:tr>
-            </a:tbl>
-          </a:graphicData>
-        </a:graphic>
-      </p:graphicFrame>
-      <p:sp>
-        <p:nvSpPr>
-          <p:cNvPr id="5" name="Rounded Rectangle 4"/>
-          <p:cNvSpPr/>
+        </p:nvSpPr>
+        <p:spPr/>
+        <p:txBody>
+          <a:bodyPr/>
+          <a:lstStyle/>
+          <a:p>
+            <a:endParaRPr lang="zh-TW" altLang="en-US"/>
+          </a:p>
+        </p:txBody>
+      </p:sp>
+      <p:pic>
+        <p:nvPicPr>
+          <p:cNvPr id="5" name="圖片 4">
+            <a:extLst>
+              <a:ext uri="{FF2B5EF4-FFF2-40B4-BE49-F238E27FC236}">
+                <a16:creationId xmlns:a16="http://schemas.microsoft.com/office/drawing/2014/main" id="{2979A1BE-D3AB-B675-A3C3-2B81D0C99AC3}"/>
+              </a:ext>
+            </a:extLst>
+          </p:cNvPr>
+          <p:cNvPicPr>
+            <a:picLocks noChangeAspect="1"/>
+          </p:cNvPicPr>
           <p:nvPr/>
-        </p:nvSpPr>
-        <p:spPr>
-          <a:xfrm>
-            <a:off x="732155" y="3954145"/>
-            <a:ext cx="10769600" cy="530225"/>
-          </a:xfrm>
-          <a:prstGeom prst="roundRect">
+        </p:nvPicPr>
+        <p:blipFill>
+          <a:blip r:embed="rId2"/>
+          <a:stretch>
+            <a:fillRect/>
+          </a:stretch>
+        </p:blipFill>
+        <p:spPr>
+          <a:xfrm>
+            <a:off x="660517" y="365125"/>
+            <a:ext cx="11057578" cy="3170195"/>
+          </a:xfrm>
+          <a:prstGeom prst="rect">
             <a:avLst/>
           </a:prstGeom>
-          <a:noFill/>
-          <a:ln w="76200">
-            <a:solidFill>
-              <a:srgbClr val="FF0000"/>
-            </a:solidFill>
-          </a:ln>
-          <a:extLst>
-            <a:ext uri="{909E8E84-426E-40DD-AFC4-6F175D3DCCD1}">
-              <a14:hiddenFill xmlns:a14="http://schemas.microsoft.com/office/drawing/2010/main">
-                <a:solidFill>
-                  <a:schemeClr val="accent2"/>
-                </a:solidFill>
-              </a14:hiddenFill>
-            </a:ext>
-          </a:extLst>
-        </p:spPr>
-        <p:style>
-          <a:lnRef idx="2">
-            <a:schemeClr val="accent1">
-              <a:shade val="50000"/>
-            </a:schemeClr>
-          </a:lnRef>
-          <a:fillRef idx="1">
-            <a:schemeClr val="accent1"/>
-          </a:fillRef>
-          <a:effectRef idx="0">
-            <a:schemeClr val="accent1"/>
-          </a:effectRef>
-          <a:fontRef idx="minor">
-            <a:schemeClr val="lt1"/>
-          </a:fontRef>
-        </p:style>
-        <p:txBody>
-          <a:bodyPr rtlCol="0" anchor="ctr"/>
-          <a:p>
-            <a:pPr algn="ctr"/>
-            <a:endParaRPr lang="en-US"/>
-          </a:p>
-        </p:txBody>
-      </p:sp>
+        </p:spPr>
+      </p:pic>
+      <p:pic>
+        <p:nvPicPr>
+          <p:cNvPr id="7" name="圖片 6">
+            <a:extLst>
+              <a:ext uri="{FF2B5EF4-FFF2-40B4-BE49-F238E27FC236}">
+                <a16:creationId xmlns:a16="http://schemas.microsoft.com/office/drawing/2014/main" id="{EA672848-F0FC-C988-D4B7-51FFD5F0A211}"/>
+              </a:ext>
+            </a:extLst>
+          </p:cNvPr>
+          <p:cNvPicPr>
+            <a:picLocks noChangeAspect="1"/>
+          </p:cNvPicPr>
+          <p:nvPr/>
+        </p:nvPicPr>
+        <p:blipFill>
+          <a:blip r:embed="rId3"/>
+          <a:stretch>
+            <a:fillRect/>
+          </a:stretch>
+        </p:blipFill>
+        <p:spPr>
+          <a:xfrm>
+            <a:off x="580594" y="3482303"/>
+            <a:ext cx="10950889" cy="3223539"/>
+          </a:xfrm>
+          <a:prstGeom prst="rect">
+            <a:avLst/>
+          </a:prstGeom>
+        </p:spPr>
+      </p:pic>
     </p:spTree>
+    <p:extLst>
+      <p:ext uri="{BB962C8B-B14F-4D97-AF65-F5344CB8AC3E}">
+        <p14:creationId xmlns:p14="http://schemas.microsoft.com/office/powerpoint/2010/main" val="3850379884"/>
+      </p:ext>
+    </p:extLst>
   </p:cSld>
   <p:clrMapOvr>
     <a:masterClrMapping/>
@@ -3724,10 +3097,23 @@
         <p:cNvGrpSpPr/>
         <p:nvPr/>
       </p:nvGrpSpPr>
-      <p:grpSpPr/>
-      <p:sp>
-        <p:nvSpPr>
-          <p:cNvPr id="2" name="Title 1"/>
+      <p:grpSpPr>
+        <a:xfrm>
+          <a:off x="0" y="0"/>
+          <a:ext cx="0" cy="0"/>
+          <a:chOff x="0" y="0"/>
+          <a:chExt cx="0" cy="0"/>
+        </a:xfrm>
+      </p:grpSpPr>
+      <p:sp>
+        <p:nvSpPr>
+          <p:cNvPr id="2" name="標題 1">
+            <a:extLst>
+              <a:ext uri="{FF2B5EF4-FFF2-40B4-BE49-F238E27FC236}">
+                <a16:creationId xmlns:a16="http://schemas.microsoft.com/office/drawing/2014/main" id="{1238EE41-7412-5A8E-09CC-34560510777F}"/>
+              </a:ext>
+            </a:extLst>
+          </p:cNvPr>
           <p:cNvSpPr>
             <a:spLocks noGrp="1"/>
           </p:cNvSpPr>
@@ -3738,40 +3124,46 @@
         <p:spPr/>
         <p:txBody>
           <a:bodyPr/>
-          <a:p>
-            <a:endParaRPr lang="en-US"/>
+          <a:lstStyle/>
+          <a:p>
+            <a:endParaRPr lang="zh-TW" altLang="en-US"/>
+          </a:p>
+        </p:txBody>
+      </p:sp>
+      <p:sp>
+        <p:nvSpPr>
+          <p:cNvPr id="3" name="內容版面配置區 2">
+            <a:extLst>
+              <a:ext uri="{FF2B5EF4-FFF2-40B4-BE49-F238E27FC236}">
+                <a16:creationId xmlns:a16="http://schemas.microsoft.com/office/drawing/2014/main" id="{1F7E0665-65E4-BC1D-C276-603985B54EF7}"/>
+              </a:ext>
+            </a:extLst>
+          </p:cNvPr>
+          <p:cNvSpPr>
+            <a:spLocks noGrp="1"/>
+          </p:cNvSpPr>
+          <p:nvPr>
+            <p:ph idx="1"/>
+          </p:nvPr>
+        </p:nvSpPr>
+        <p:spPr/>
+        <p:txBody>
+          <a:bodyPr/>
+          <a:lstStyle/>
+          <a:p>
+            <a:endParaRPr lang="zh-TW" altLang="en-US"/>
           </a:p>
         </p:txBody>
       </p:sp>
       <p:pic>
         <p:nvPicPr>
-          <p:cNvPr id="4" name="Content Placeholder 3"/>
-          <p:cNvPicPr>
-            <a:picLocks noChangeAspect="1"/>
-          </p:cNvPicPr>
-          <p:nvPr>
-            <p:ph idx="1"/>
-          </p:nvPr>
-        </p:nvPicPr>
-        <p:blipFill>
-          <a:blip r:embed="rId1"/>
-          <a:stretch>
-            <a:fillRect/>
-          </a:stretch>
-        </p:blipFill>
-        <p:spPr>
-          <a:xfrm>
-            <a:off x="353060" y="365125"/>
-            <a:ext cx="11486515" cy="3210560"/>
-          </a:xfrm>
-          <a:prstGeom prst="rect">
-            <a:avLst/>
-          </a:prstGeom>
-        </p:spPr>
-      </p:pic>
-      <p:pic>
-        <p:nvPicPr>
-          <p:cNvPr id="5" name="Picture 4"/>
+          <p:cNvPr id="5" name="圖片 4">
+            <a:extLst>
+              <a:ext uri="{FF2B5EF4-FFF2-40B4-BE49-F238E27FC236}">
+                <a16:creationId xmlns:a16="http://schemas.microsoft.com/office/drawing/2014/main" id="{FB58F676-5523-3B10-31A2-72BD33AA47D5}"/>
+              </a:ext>
+            </a:extLst>
+          </p:cNvPr>
           <p:cNvPicPr>
             <a:picLocks noChangeAspect="1"/>
           </p:cNvPicPr>
@@ -3785,15 +3177,50 @@
         </p:blipFill>
         <p:spPr>
           <a:xfrm>
-            <a:off x="440055" y="3575685"/>
-            <a:ext cx="10843260" cy="3108960"/>
+            <a:off x="753824" y="194803"/>
+            <a:ext cx="11057578" cy="3261643"/>
           </a:xfrm>
           <a:prstGeom prst="rect">
             <a:avLst/>
           </a:prstGeom>
         </p:spPr>
       </p:pic>
+      <p:pic>
+        <p:nvPicPr>
+          <p:cNvPr id="7" name="圖片 6">
+            <a:extLst>
+              <a:ext uri="{FF2B5EF4-FFF2-40B4-BE49-F238E27FC236}">
+                <a16:creationId xmlns:a16="http://schemas.microsoft.com/office/drawing/2014/main" id="{8C392CD2-BBD5-A884-5E41-B689FE281E7C}"/>
+              </a:ext>
+            </a:extLst>
+          </p:cNvPr>
+          <p:cNvPicPr>
+            <a:picLocks noChangeAspect="1"/>
+          </p:cNvPicPr>
+          <p:nvPr/>
+        </p:nvPicPr>
+        <p:blipFill>
+          <a:blip r:embed="rId3"/>
+          <a:stretch>
+            <a:fillRect/>
+          </a:stretch>
+        </p:blipFill>
+        <p:spPr>
+          <a:xfrm>
+            <a:off x="838200" y="3541890"/>
+            <a:ext cx="10943268" cy="3063505"/>
+          </a:xfrm>
+          <a:prstGeom prst="rect">
+            <a:avLst/>
+          </a:prstGeom>
+        </p:spPr>
+      </p:pic>
     </p:spTree>
+    <p:extLst>
+      <p:ext uri="{BB962C8B-B14F-4D97-AF65-F5344CB8AC3E}">
+        <p14:creationId xmlns:p14="http://schemas.microsoft.com/office/powerpoint/2010/main" val="3355390956"/>
+      </p:ext>
+    </p:extLst>
   </p:cSld>
   <p:clrMapOvr>
     <a:masterClrMapping/>
@@ -3810,10 +3237,23 @@
         <p:cNvGrpSpPr/>
         <p:nvPr/>
       </p:nvGrpSpPr>
-      <p:grpSpPr/>
-      <p:sp>
-        <p:nvSpPr>
-          <p:cNvPr id="2" name="Title 1"/>
+      <p:grpSpPr>
+        <a:xfrm>
+          <a:off x="0" y="0"/>
+          <a:ext cx="0" cy="0"/>
+          <a:chOff x="0" y="0"/>
+          <a:chExt cx="0" cy="0"/>
+        </a:xfrm>
+      </p:grpSpPr>
+      <p:sp>
+        <p:nvSpPr>
+          <p:cNvPr id="2" name="標題 1">
+            <a:extLst>
+              <a:ext uri="{FF2B5EF4-FFF2-40B4-BE49-F238E27FC236}">
+                <a16:creationId xmlns:a16="http://schemas.microsoft.com/office/drawing/2014/main" id="{2B80069C-F22C-125B-B8D6-49075C9CA292}"/>
+              </a:ext>
+            </a:extLst>
+          </p:cNvPr>
           <p:cNvSpPr>
             <a:spLocks noGrp="1"/>
           </p:cNvSpPr>
@@ -3824,40 +3264,46 @@
         <p:spPr/>
         <p:txBody>
           <a:bodyPr/>
-          <a:p>
-            <a:endParaRPr lang="en-US"/>
+          <a:lstStyle/>
+          <a:p>
+            <a:endParaRPr lang="zh-TW" altLang="en-US"/>
+          </a:p>
+        </p:txBody>
+      </p:sp>
+      <p:sp>
+        <p:nvSpPr>
+          <p:cNvPr id="3" name="內容版面配置區 2">
+            <a:extLst>
+              <a:ext uri="{FF2B5EF4-FFF2-40B4-BE49-F238E27FC236}">
+                <a16:creationId xmlns:a16="http://schemas.microsoft.com/office/drawing/2014/main" id="{467FEA5D-187D-1431-0708-2B38B246B84B}"/>
+              </a:ext>
+            </a:extLst>
+          </p:cNvPr>
+          <p:cNvSpPr>
+            <a:spLocks noGrp="1"/>
+          </p:cNvSpPr>
+          <p:nvPr>
+            <p:ph idx="1"/>
+          </p:nvPr>
+        </p:nvSpPr>
+        <p:spPr/>
+        <p:txBody>
+          <a:bodyPr/>
+          <a:lstStyle/>
+          <a:p>
+            <a:endParaRPr lang="zh-TW" altLang="en-US"/>
           </a:p>
         </p:txBody>
       </p:sp>
       <p:pic>
         <p:nvPicPr>
-          <p:cNvPr id="4" name="Content Placeholder 3"/>
-          <p:cNvPicPr>
-            <a:picLocks noChangeAspect="1"/>
-          </p:cNvPicPr>
-          <p:nvPr>
-            <p:ph idx="1"/>
-          </p:nvPr>
-        </p:nvPicPr>
-        <p:blipFill>
-          <a:blip r:embed="rId1"/>
-          <a:stretch>
-            <a:fillRect/>
-          </a:stretch>
-        </p:blipFill>
-        <p:spPr>
-          <a:xfrm>
-            <a:off x="353060" y="365125"/>
-            <a:ext cx="11486515" cy="3210560"/>
-          </a:xfrm>
-          <a:prstGeom prst="rect">
-            <a:avLst/>
-          </a:prstGeom>
-        </p:spPr>
-      </p:pic>
-      <p:pic>
-        <p:nvPicPr>
-          <p:cNvPr id="5" name="Picture 4"/>
+          <p:cNvPr id="5" name="圖片 4">
+            <a:extLst>
+              <a:ext uri="{FF2B5EF4-FFF2-40B4-BE49-F238E27FC236}">
+                <a16:creationId xmlns:a16="http://schemas.microsoft.com/office/drawing/2014/main" id="{B1131550-EBDA-0319-D94B-5B8E31E1ADBD}"/>
+              </a:ext>
+            </a:extLst>
+          </p:cNvPr>
           <p:cNvPicPr>
             <a:picLocks noChangeAspect="1"/>
           </p:cNvPicPr>
@@ -3871,8 +3317,8 @@
         </p:blipFill>
         <p:spPr>
           <a:xfrm>
-            <a:off x="440055" y="3575685"/>
-            <a:ext cx="10843260" cy="3108960"/>
+            <a:off x="273360" y="128452"/>
+            <a:ext cx="11080440" cy="3124471"/>
           </a:xfrm>
           <a:prstGeom prst="rect">
             <a:avLst/>
@@ -3881,7 +3327,13 @@
       </p:pic>
       <p:pic>
         <p:nvPicPr>
-          <p:cNvPr id="9" name="Picture 8"/>
+          <p:cNvPr id="7" name="圖片 6">
+            <a:extLst>
+              <a:ext uri="{FF2B5EF4-FFF2-40B4-BE49-F238E27FC236}">
+                <a16:creationId xmlns:a16="http://schemas.microsoft.com/office/drawing/2014/main" id="{18B70FAE-DB1C-9297-94E1-93BFD6D15397}"/>
+              </a:ext>
+            </a:extLst>
+          </p:cNvPr>
           <p:cNvPicPr>
             <a:picLocks noChangeAspect="1"/>
           </p:cNvPicPr>
@@ -3895,8 +3347,8 @@
         </p:blipFill>
         <p:spPr>
           <a:xfrm>
-            <a:off x="306070" y="1265555"/>
-            <a:ext cx="4742815" cy="2466975"/>
+            <a:off x="273360" y="3353163"/>
+            <a:ext cx="11072820" cy="3139712"/>
           </a:xfrm>
           <a:prstGeom prst="rect">
             <a:avLst/>
@@ -3904,782 +3356,11 @@
         </p:spPr>
       </p:pic>
     </p:spTree>
-  </p:cSld>
-  <p:clrMapOvr>
-    <a:masterClrMapping/>
-  </p:clrMapOvr>
-</p:sld>
-</file>
-
-<file path=ppt/slides/slide13.xml><?xml version="1.0" encoding="utf-8"?>
-<p:sld xmlns:a="http://schemas.openxmlformats.org/drawingml/2006/main" xmlns:r="http://schemas.openxmlformats.org/officeDocument/2006/relationships" xmlns:p="http://schemas.openxmlformats.org/presentationml/2006/main">
-  <p:cSld>
-    <p:spTree>
-      <p:nvGrpSpPr>
-        <p:cNvPr id="1" name=""/>
-        <p:cNvGrpSpPr/>
-        <p:nvPr/>
-      </p:nvGrpSpPr>
-      <p:grpSpPr/>
-      <p:sp>
-        <p:nvSpPr>
-          <p:cNvPr id="2" name="Title 1"/>
-          <p:cNvSpPr>
-            <a:spLocks noGrp="1"/>
-          </p:cNvSpPr>
-          <p:nvPr>
-            <p:ph type="title"/>
-          </p:nvPr>
-        </p:nvSpPr>
-        <p:spPr/>
-        <p:txBody>
-          <a:bodyPr/>
-          <a:p>
-            <a:endParaRPr lang="en-US"/>
-          </a:p>
-        </p:txBody>
-      </p:sp>
-      <p:pic>
-        <p:nvPicPr>
-          <p:cNvPr id="8" name="Content Placeholder 7"/>
-          <p:cNvPicPr>
-            <a:picLocks noChangeAspect="1"/>
-          </p:cNvPicPr>
-          <p:nvPr>
-            <p:ph idx="1"/>
-          </p:nvPr>
-        </p:nvPicPr>
-        <p:blipFill>
-          <a:blip r:embed="rId1"/>
-          <a:stretch>
-            <a:fillRect/>
-          </a:stretch>
-        </p:blipFill>
-        <p:spPr>
-          <a:xfrm>
-            <a:off x="275590" y="471170"/>
-            <a:ext cx="11519535" cy="3183255"/>
-          </a:xfrm>
-          <a:prstGeom prst="rect">
-            <a:avLst/>
-          </a:prstGeom>
-        </p:spPr>
-      </p:pic>
-      <p:pic>
-        <p:nvPicPr>
-          <p:cNvPr id="9" name="Picture 8"/>
-          <p:cNvPicPr>
-            <a:picLocks noChangeAspect="1"/>
-          </p:cNvPicPr>
-          <p:nvPr/>
-        </p:nvPicPr>
-        <p:blipFill>
-          <a:blip r:embed="rId2"/>
-          <a:stretch>
-            <a:fillRect/>
-          </a:stretch>
-        </p:blipFill>
-        <p:spPr>
-          <a:xfrm>
-            <a:off x="584200" y="3654425"/>
-            <a:ext cx="5063490" cy="2722880"/>
-          </a:xfrm>
-          <a:prstGeom prst="rect">
-            <a:avLst/>
-          </a:prstGeom>
-        </p:spPr>
-      </p:pic>
-      <p:pic>
-        <p:nvPicPr>
-          <p:cNvPr id="11" name="Picture 10"/>
-          <p:cNvPicPr>
-            <a:picLocks noChangeAspect="1"/>
-          </p:cNvPicPr>
-          <p:nvPr/>
-        </p:nvPicPr>
-        <p:blipFill>
-          <a:blip r:embed="rId3"/>
-          <a:stretch>
-            <a:fillRect/>
-          </a:stretch>
-        </p:blipFill>
-        <p:spPr>
-          <a:xfrm>
-            <a:off x="6346825" y="4732655"/>
-            <a:ext cx="5297170" cy="1338580"/>
-          </a:xfrm>
-          <a:prstGeom prst="rect">
-            <a:avLst/>
-          </a:prstGeom>
-        </p:spPr>
-      </p:pic>
-    </p:spTree>
-  </p:cSld>
-  <p:clrMapOvr>
-    <a:masterClrMapping/>
-  </p:clrMapOvr>
-</p:sld>
-</file>
-
-<file path=ppt/slides/slide14.xml><?xml version="1.0" encoding="utf-8"?>
-<p:sld xmlns:a="http://schemas.openxmlformats.org/drawingml/2006/main" xmlns:r="http://schemas.openxmlformats.org/officeDocument/2006/relationships" xmlns:p="http://schemas.openxmlformats.org/presentationml/2006/main">
-  <p:cSld>
-    <p:spTree>
-      <p:nvGrpSpPr>
-        <p:cNvPr id="1" name=""/>
-        <p:cNvGrpSpPr/>
-        <p:nvPr/>
-      </p:nvGrpSpPr>
-      <p:grpSpPr/>
-      <p:sp>
-        <p:nvSpPr>
-          <p:cNvPr id="2" name="Title 1"/>
-          <p:cNvSpPr>
-            <a:spLocks noGrp="1"/>
-          </p:cNvSpPr>
-          <p:nvPr>
-            <p:ph type="title"/>
-          </p:nvPr>
-        </p:nvSpPr>
-        <p:spPr/>
-        <p:txBody>
-          <a:bodyPr/>
-          <a:p>
-            <a:r>
-              <a:rPr lang="en-US"/>
-              <a:t>Interval MAE for signal C</a:t>
-            </a:r>
-            <a:endParaRPr lang="en-US"/>
-          </a:p>
-        </p:txBody>
-      </p:sp>
-      <p:pic>
-        <p:nvPicPr>
-          <p:cNvPr id="4" name="Content Placeholder 3"/>
-          <p:cNvPicPr>
-            <a:picLocks noChangeAspect="1"/>
-          </p:cNvPicPr>
-          <p:nvPr>
-            <p:ph idx="1"/>
-          </p:nvPr>
-        </p:nvPicPr>
-        <p:blipFill>
-          <a:blip r:embed="rId1"/>
-          <a:stretch>
-            <a:fillRect/>
-          </a:stretch>
-        </p:blipFill>
-        <p:spPr>
-          <a:xfrm>
-            <a:off x="202565" y="1374140"/>
-            <a:ext cx="11989435" cy="3393440"/>
-          </a:xfrm>
-          <a:prstGeom prst="rect">
-            <a:avLst/>
-          </a:prstGeom>
-        </p:spPr>
-      </p:pic>
-    </p:spTree>
-  </p:cSld>
-  <p:clrMapOvr>
-    <a:masterClrMapping/>
-  </p:clrMapOvr>
-</p:sld>
-</file>
-
-<file path=ppt/slides/slide15.xml><?xml version="1.0" encoding="utf-8"?>
-<p:sld xmlns:a="http://schemas.openxmlformats.org/drawingml/2006/main" xmlns:r="http://schemas.openxmlformats.org/officeDocument/2006/relationships" xmlns:p="http://schemas.openxmlformats.org/presentationml/2006/main">
-  <p:cSld>
-    <p:spTree>
-      <p:nvGrpSpPr>
-        <p:cNvPr id="1" name=""/>
-        <p:cNvGrpSpPr/>
-        <p:nvPr/>
-      </p:nvGrpSpPr>
-      <p:grpSpPr/>
-      <p:sp>
-        <p:nvSpPr>
-          <p:cNvPr id="2" name="Title 1"/>
-          <p:cNvSpPr>
-            <a:spLocks noGrp="1"/>
-          </p:cNvSpPr>
-          <p:nvPr>
-            <p:ph type="title"/>
-          </p:nvPr>
-        </p:nvSpPr>
-        <p:spPr/>
-        <p:txBody>
-          <a:bodyPr/>
-          <a:p>
-            <a:r>
-              <a:rPr lang="en-US"/>
-              <a:t>Interval MAE for signal C</a:t>
-            </a:r>
-            <a:endParaRPr lang="en-US"/>
-          </a:p>
-        </p:txBody>
-      </p:sp>
-      <p:pic>
-        <p:nvPicPr>
-          <p:cNvPr id="4" name="Content Placeholder 3"/>
-          <p:cNvPicPr>
-            <a:picLocks noChangeAspect="1"/>
-          </p:cNvPicPr>
-          <p:nvPr>
-            <p:ph idx="1"/>
-          </p:nvPr>
-        </p:nvPicPr>
-        <p:blipFill>
-          <a:blip r:embed="rId1"/>
-          <a:stretch>
-            <a:fillRect/>
-          </a:stretch>
-        </p:blipFill>
-        <p:spPr>
-          <a:xfrm>
-            <a:off x="202565" y="1374140"/>
-            <a:ext cx="11989435" cy="3393440"/>
-          </a:xfrm>
-          <a:prstGeom prst="rect">
-            <a:avLst/>
-          </a:prstGeom>
-        </p:spPr>
-      </p:pic>
-      <p:pic>
-        <p:nvPicPr>
-          <p:cNvPr id="6" name="Content Placeholder 5"/>
-          <p:cNvPicPr>
-            <a:picLocks noChangeAspect="1"/>
-          </p:cNvPicPr>
-          <p:nvPr/>
-        </p:nvPicPr>
-        <p:blipFill>
-          <a:blip r:embed="rId2"/>
-          <a:stretch>
-            <a:fillRect/>
-          </a:stretch>
-        </p:blipFill>
-        <p:spPr>
-          <a:xfrm>
-            <a:off x="687070" y="487045"/>
-            <a:ext cx="5434330" cy="4280535"/>
-          </a:xfrm>
-          <a:prstGeom prst="rect">
-            <a:avLst/>
-          </a:prstGeom>
-        </p:spPr>
-      </p:pic>
-      <p:pic>
-        <p:nvPicPr>
-          <p:cNvPr id="7" name="Picture 6"/>
-          <p:cNvPicPr>
-            <a:picLocks noChangeAspect="1"/>
-          </p:cNvPicPr>
-          <p:nvPr/>
-        </p:nvPicPr>
-        <p:blipFill>
-          <a:blip r:embed="rId3"/>
-          <a:stretch>
-            <a:fillRect/>
-          </a:stretch>
-        </p:blipFill>
-        <p:spPr>
-          <a:xfrm>
-            <a:off x="687070" y="5158740"/>
-            <a:ext cx="5461635" cy="1376045"/>
-          </a:xfrm>
-          <a:prstGeom prst="rect">
-            <a:avLst/>
-          </a:prstGeom>
-        </p:spPr>
-      </p:pic>
-      <p:pic>
-        <p:nvPicPr>
-          <p:cNvPr id="8" name="Picture 7"/>
-          <p:cNvPicPr>
-            <a:picLocks noChangeAspect="1"/>
-          </p:cNvPicPr>
-          <p:nvPr/>
-        </p:nvPicPr>
-        <p:blipFill>
-          <a:blip r:embed="rId4"/>
-          <a:stretch>
-            <a:fillRect/>
-          </a:stretch>
-        </p:blipFill>
-        <p:spPr>
-          <a:xfrm>
-            <a:off x="6668135" y="5158740"/>
-            <a:ext cx="5101590" cy="1376045"/>
-          </a:xfrm>
-          <a:prstGeom prst="rect">
-            <a:avLst/>
-          </a:prstGeom>
-        </p:spPr>
-      </p:pic>
-      <p:pic>
-        <p:nvPicPr>
-          <p:cNvPr id="10" name="Picture 9"/>
-          <p:cNvPicPr>
-            <a:picLocks noChangeAspect="1"/>
-          </p:cNvPicPr>
-          <p:nvPr/>
-        </p:nvPicPr>
-        <p:blipFill>
-          <a:blip r:embed="rId5"/>
-          <a:stretch>
-            <a:fillRect/>
-          </a:stretch>
-        </p:blipFill>
-        <p:spPr>
-          <a:xfrm>
-            <a:off x="6668135" y="1017905"/>
-            <a:ext cx="4783455" cy="3927475"/>
-          </a:xfrm>
-          <a:prstGeom prst="rect">
-            <a:avLst/>
-          </a:prstGeom>
-        </p:spPr>
-      </p:pic>
-    </p:spTree>
-  </p:cSld>
-  <p:clrMapOvr>
-    <a:masterClrMapping/>
-  </p:clrMapOvr>
-</p:sld>
-</file>
-
-<file path=ppt/slides/slide16.xml><?xml version="1.0" encoding="utf-8"?>
-<p:sld xmlns:a="http://schemas.openxmlformats.org/drawingml/2006/main" xmlns:r="http://schemas.openxmlformats.org/officeDocument/2006/relationships" xmlns:p="http://schemas.openxmlformats.org/presentationml/2006/main">
-  <p:cSld>
-    <p:spTree>
-      <p:nvGrpSpPr>
-        <p:cNvPr id="1" name=""/>
-        <p:cNvGrpSpPr/>
-        <p:nvPr/>
-      </p:nvGrpSpPr>
-      <p:grpSpPr/>
-      <p:sp>
-        <p:nvSpPr>
-          <p:cNvPr id="2" name="Title 1"/>
-          <p:cNvSpPr>
-            <a:spLocks noGrp="1"/>
-          </p:cNvSpPr>
-          <p:nvPr>
-            <p:ph type="title"/>
-          </p:nvPr>
-        </p:nvSpPr>
-        <p:spPr/>
-        <p:txBody>
-          <a:bodyPr>
-            <a:normAutofit/>
-          </a:bodyPr>
-          <a:p>
-            <a:r>
-              <a:rPr lang="en-US">
-                <a:sym typeface="+mn-ea"/>
-              </a:rPr>
-              <a:t>Interval MAE for signal D</a:t>
-            </a:r>
-            <a:endParaRPr lang="en-US"/>
-          </a:p>
-        </p:txBody>
-      </p:sp>
-      <p:pic>
-        <p:nvPicPr>
-          <p:cNvPr id="8" name="Content Placeholder 7"/>
-          <p:cNvPicPr>
-            <a:picLocks noChangeAspect="1"/>
-          </p:cNvPicPr>
-          <p:nvPr>
-            <p:ph idx="1"/>
-          </p:nvPr>
-        </p:nvPicPr>
-        <p:blipFill>
-          <a:blip r:embed="rId1"/>
-          <a:stretch>
-            <a:fillRect/>
-          </a:stretch>
-        </p:blipFill>
-        <p:spPr>
-          <a:xfrm>
-            <a:off x="361315" y="1428115"/>
-            <a:ext cx="11146790" cy="3218180"/>
-          </a:xfrm>
-          <a:prstGeom prst="rect">
-            <a:avLst/>
-          </a:prstGeom>
-        </p:spPr>
-      </p:pic>
-    </p:spTree>
-  </p:cSld>
-  <p:clrMapOvr>
-    <a:masterClrMapping/>
-  </p:clrMapOvr>
-</p:sld>
-</file>
-
-<file path=ppt/slides/slide17.xml><?xml version="1.0" encoding="utf-8"?>
-<p:sld xmlns:a="http://schemas.openxmlformats.org/drawingml/2006/main" xmlns:r="http://schemas.openxmlformats.org/officeDocument/2006/relationships" xmlns:p="http://schemas.openxmlformats.org/presentationml/2006/main">
-  <p:cSld>
-    <p:spTree>
-      <p:nvGrpSpPr>
-        <p:cNvPr id="1" name=""/>
-        <p:cNvGrpSpPr/>
-        <p:nvPr/>
-      </p:nvGrpSpPr>
-      <p:grpSpPr/>
-      <p:sp>
-        <p:nvSpPr>
-          <p:cNvPr id="17" name="Title 16"/>
-          <p:cNvSpPr>
-            <a:spLocks noGrp="1"/>
-          </p:cNvSpPr>
-          <p:nvPr>
-            <p:ph type="title"/>
-          </p:nvPr>
-        </p:nvSpPr>
-        <p:spPr/>
-        <p:txBody>
-          <a:bodyPr/>
-          <a:p>
-            <a:endParaRPr lang="en-US"/>
-          </a:p>
-        </p:txBody>
-      </p:sp>
-      <p:pic>
-        <p:nvPicPr>
-          <p:cNvPr id="5" name="Picture 4"/>
-          <p:cNvPicPr>
-            <a:picLocks noChangeAspect="1"/>
-          </p:cNvPicPr>
-          <p:nvPr/>
-        </p:nvPicPr>
-        <p:blipFill>
-          <a:blip r:embed="rId1"/>
-          <a:stretch>
-            <a:fillRect/>
-          </a:stretch>
-        </p:blipFill>
-        <p:spPr>
-          <a:xfrm>
-            <a:off x="91440" y="2239010"/>
-            <a:ext cx="4083685" cy="2379345"/>
-          </a:xfrm>
-          <a:prstGeom prst="rect">
-            <a:avLst/>
-          </a:prstGeom>
-        </p:spPr>
-      </p:pic>
-      <p:pic>
-        <p:nvPicPr>
-          <p:cNvPr id="15" name="Content Placeholder 14"/>
-          <p:cNvPicPr>
-            <a:picLocks noChangeAspect="1"/>
-          </p:cNvPicPr>
-          <p:nvPr>
-            <p:ph sz="half" idx="1"/>
-          </p:nvPr>
-        </p:nvPicPr>
-        <p:blipFill>
-          <a:blip r:embed="rId2"/>
-          <a:stretch>
-            <a:fillRect/>
-          </a:stretch>
-        </p:blipFill>
-        <p:spPr>
-          <a:xfrm>
-            <a:off x="0" y="0"/>
-            <a:ext cx="5181600" cy="2284095"/>
-          </a:xfrm>
-          <a:prstGeom prst="rect">
-            <a:avLst/>
-          </a:prstGeom>
-        </p:spPr>
-      </p:pic>
-      <p:pic>
-        <p:nvPicPr>
-          <p:cNvPr id="16" name="Content Placeholder 15"/>
-          <p:cNvPicPr>
-            <a:picLocks noChangeAspect="1"/>
-          </p:cNvPicPr>
-          <p:nvPr>
-            <p:ph sz="half" idx="2"/>
-          </p:nvPr>
-        </p:nvPicPr>
-        <p:blipFill>
-          <a:blip r:embed="rId3"/>
-          <a:stretch>
-            <a:fillRect/>
-          </a:stretch>
-        </p:blipFill>
-        <p:spPr>
-          <a:xfrm>
-            <a:off x="7010400" y="0"/>
-            <a:ext cx="5181600" cy="2666365"/>
-          </a:xfrm>
-          <a:prstGeom prst="rect">
-            <a:avLst/>
-          </a:prstGeom>
-        </p:spPr>
-      </p:pic>
-      <p:pic>
-        <p:nvPicPr>
-          <p:cNvPr id="18" name="Picture 17"/>
-          <p:cNvPicPr>
-            <a:picLocks noChangeAspect="1"/>
-          </p:cNvPicPr>
-          <p:nvPr/>
-        </p:nvPicPr>
-        <p:blipFill>
-          <a:blip r:embed="rId4"/>
-          <a:stretch>
-            <a:fillRect/>
-          </a:stretch>
-        </p:blipFill>
-        <p:spPr>
-          <a:xfrm>
-            <a:off x="7847965" y="2776855"/>
-            <a:ext cx="4344035" cy="2658110"/>
-          </a:xfrm>
-          <a:prstGeom prst="rect">
-            <a:avLst/>
-          </a:prstGeom>
-        </p:spPr>
-      </p:pic>
-    </p:spTree>
-  </p:cSld>
-  <p:clrMapOvr>
-    <a:masterClrMapping/>
-  </p:clrMapOvr>
-</p:sld>
-</file>
-
-<file path=ppt/slides/slide18.xml><?xml version="1.0" encoding="utf-8"?>
-<p:sld xmlns:a="http://schemas.openxmlformats.org/drawingml/2006/main" xmlns:r="http://schemas.openxmlformats.org/officeDocument/2006/relationships" xmlns:p="http://schemas.openxmlformats.org/presentationml/2006/main">
-  <p:cSld>
-    <p:spTree>
-      <p:nvGrpSpPr>
-        <p:cNvPr id="1" name=""/>
-        <p:cNvGrpSpPr/>
-        <p:nvPr/>
-      </p:nvGrpSpPr>
-      <p:grpSpPr/>
-      <p:sp>
-        <p:nvSpPr>
-          <p:cNvPr id="17" name="Title 16"/>
-          <p:cNvSpPr>
-            <a:spLocks noGrp="1"/>
-          </p:cNvSpPr>
-          <p:nvPr>
-            <p:ph type="title"/>
-          </p:nvPr>
-        </p:nvSpPr>
-        <p:spPr/>
-        <p:txBody>
-          <a:bodyPr/>
-          <a:p>
-            <a:endParaRPr lang="en-US"/>
-          </a:p>
-        </p:txBody>
-      </p:sp>
-      <p:pic>
-        <p:nvPicPr>
-          <p:cNvPr id="5" name="Picture 4"/>
-          <p:cNvPicPr>
-            <a:picLocks noChangeAspect="1"/>
-          </p:cNvPicPr>
-          <p:nvPr/>
-        </p:nvPicPr>
-        <p:blipFill>
-          <a:blip r:embed="rId1"/>
-          <a:stretch>
-            <a:fillRect/>
-          </a:stretch>
-        </p:blipFill>
-        <p:spPr>
-          <a:xfrm>
-            <a:off x="91440" y="2239010"/>
-            <a:ext cx="4083685" cy="2379345"/>
-          </a:xfrm>
-          <a:prstGeom prst="rect">
-            <a:avLst/>
-          </a:prstGeom>
-        </p:spPr>
-      </p:pic>
-      <p:pic>
-        <p:nvPicPr>
-          <p:cNvPr id="15" name="Content Placeholder 14"/>
-          <p:cNvPicPr>
-            <a:picLocks noChangeAspect="1"/>
-          </p:cNvPicPr>
-          <p:nvPr>
-            <p:ph sz="half" idx="1"/>
-          </p:nvPr>
-        </p:nvPicPr>
-        <p:blipFill>
-          <a:blip r:embed="rId2"/>
-          <a:stretch>
-            <a:fillRect/>
-          </a:stretch>
-        </p:blipFill>
-        <p:spPr>
-          <a:xfrm>
-            <a:off x="0" y="0"/>
-            <a:ext cx="5181600" cy="2284095"/>
-          </a:xfrm>
-          <a:prstGeom prst="rect">
-            <a:avLst/>
-          </a:prstGeom>
-        </p:spPr>
-      </p:pic>
-      <p:pic>
-        <p:nvPicPr>
-          <p:cNvPr id="16" name="Content Placeholder 15"/>
-          <p:cNvPicPr>
-            <a:picLocks noChangeAspect="1"/>
-          </p:cNvPicPr>
-          <p:nvPr>
-            <p:ph sz="half" idx="2"/>
-          </p:nvPr>
-        </p:nvPicPr>
-        <p:blipFill>
-          <a:blip r:embed="rId3"/>
-          <a:stretch>
-            <a:fillRect/>
-          </a:stretch>
-        </p:blipFill>
-        <p:spPr>
-          <a:xfrm>
-            <a:off x="7010400" y="0"/>
-            <a:ext cx="5181600" cy="2666365"/>
-          </a:xfrm>
-          <a:prstGeom prst="rect">
-            <a:avLst/>
-          </a:prstGeom>
-        </p:spPr>
-      </p:pic>
-      <p:pic>
-        <p:nvPicPr>
-          <p:cNvPr id="18" name="Picture 17"/>
-          <p:cNvPicPr>
-            <a:picLocks noChangeAspect="1"/>
-          </p:cNvPicPr>
-          <p:nvPr/>
-        </p:nvPicPr>
-        <p:blipFill>
-          <a:blip r:embed="rId4"/>
-          <a:stretch>
-            <a:fillRect/>
-          </a:stretch>
-        </p:blipFill>
-        <p:spPr>
-          <a:xfrm>
-            <a:off x="7847965" y="2776855"/>
-            <a:ext cx="4344035" cy="2658110"/>
-          </a:xfrm>
-          <a:prstGeom prst="rect">
-            <a:avLst/>
-          </a:prstGeom>
-        </p:spPr>
-      </p:pic>
-      <p:pic>
-        <p:nvPicPr>
-          <p:cNvPr id="2" name="Picture 1"/>
-          <p:cNvPicPr>
-            <a:picLocks noChangeAspect="1"/>
-          </p:cNvPicPr>
-          <p:nvPr/>
-        </p:nvPicPr>
-        <p:blipFill>
-          <a:blip r:embed="rId5"/>
-          <a:stretch>
-            <a:fillRect/>
-          </a:stretch>
-        </p:blipFill>
-        <p:spPr>
-          <a:xfrm>
-            <a:off x="0" y="4074160"/>
-            <a:ext cx="4690110" cy="2651125"/>
-          </a:xfrm>
-          <a:prstGeom prst="rect">
-            <a:avLst/>
-          </a:prstGeom>
-        </p:spPr>
-      </p:pic>
-      <p:pic>
-        <p:nvPicPr>
-          <p:cNvPr id="3" name="Picture 2"/>
-          <p:cNvPicPr>
-            <a:picLocks noChangeAspect="1"/>
-          </p:cNvPicPr>
-          <p:nvPr/>
-        </p:nvPicPr>
-        <p:blipFill>
-          <a:blip r:embed="rId6"/>
-          <a:stretch>
-            <a:fillRect/>
-          </a:stretch>
-        </p:blipFill>
-        <p:spPr>
-          <a:xfrm>
-            <a:off x="0" y="243840"/>
-            <a:ext cx="5118735" cy="3830320"/>
-          </a:xfrm>
-          <a:prstGeom prst="rect">
-            <a:avLst/>
-          </a:prstGeom>
-        </p:spPr>
-      </p:pic>
-      <p:pic>
-        <p:nvPicPr>
-          <p:cNvPr id="4" name="Picture 3"/>
-          <p:cNvPicPr>
-            <a:picLocks noChangeAspect="1"/>
-          </p:cNvPicPr>
-          <p:nvPr/>
-        </p:nvPicPr>
-        <p:blipFill>
-          <a:blip r:embed="rId7"/>
-          <a:stretch>
-            <a:fillRect/>
-          </a:stretch>
-        </p:blipFill>
-        <p:spPr>
-          <a:xfrm>
-            <a:off x="5306695" y="581660"/>
-            <a:ext cx="6690360" cy="3154680"/>
-          </a:xfrm>
-          <a:prstGeom prst="rect">
-            <a:avLst/>
-          </a:prstGeom>
-        </p:spPr>
-      </p:pic>
-      <p:pic>
-        <p:nvPicPr>
-          <p:cNvPr id="6" name="Picture 5"/>
-          <p:cNvPicPr>
-            <a:picLocks noChangeAspect="1"/>
-          </p:cNvPicPr>
-          <p:nvPr/>
-        </p:nvPicPr>
-        <p:blipFill>
-          <a:blip r:embed="rId8"/>
-          <a:stretch>
-            <a:fillRect/>
-          </a:stretch>
-        </p:blipFill>
-        <p:spPr>
-          <a:xfrm>
-            <a:off x="5901690" y="3816985"/>
-            <a:ext cx="6095365" cy="2908300"/>
-          </a:xfrm>
-          <a:prstGeom prst="rect">
-            <a:avLst/>
-          </a:prstGeom>
-        </p:spPr>
-      </p:pic>
-    </p:spTree>
+    <p:extLst>
+      <p:ext uri="{BB962C8B-B14F-4D97-AF65-F5344CB8AC3E}">
+        <p14:creationId xmlns:p14="http://schemas.microsoft.com/office/powerpoint/2010/main" val="1396895578"/>
+      </p:ext>
+    </p:extLst>
   </p:cSld>
   <p:clrMapOvr>
     <a:masterClrMapping/>
@@ -4696,7 +3377,14 @@
         <p:cNvGrpSpPr/>
         <p:nvPr/>
       </p:nvGrpSpPr>
-      <p:grpSpPr/>
+      <p:grpSpPr>
+        <a:xfrm>
+          <a:off x="0" y="0"/>
+          <a:ext cx="0" cy="0"/>
+          <a:chOff x="0" y="0"/>
+          <a:chExt cx="0" cy="0"/>
+        </a:xfrm>
+      </p:grpSpPr>
       <p:sp>
         <p:nvSpPr>
           <p:cNvPr id="2" name="Title 1"/>
@@ -4710,12 +3398,13 @@
         <p:spPr/>
         <p:txBody>
           <a:bodyPr/>
-          <a:p>
-            <a:r>
-              <a:rPr lang="en-US"/>
-              <a:t>Display orignal signal</a:t>
-            </a:r>
-            <a:endParaRPr lang="en-US"/>
+          <a:lstStyle/>
+          <a:p>
+            <a:r>
+              <a:rPr lang="en-US"/>
+              <a:t>Check noise actual values</a:t>
+            </a:r>
+            <a:endParaRPr lang="en-US" dirty="0"/>
           </a:p>
         </p:txBody>
       </p:sp>
@@ -4732,11 +3421,161 @@
         <p:spPr/>
         <p:txBody>
           <a:bodyPr/>
-          <a:p>
-            <a:endParaRPr lang="en-US"/>
-          </a:p>
-        </p:txBody>
-      </p:sp>
+          <a:lstStyle/>
+          <a:p>
+            <a:endParaRPr lang="en-US" dirty="0"/>
+          </a:p>
+        </p:txBody>
+      </p:sp>
+      <p:pic>
+        <p:nvPicPr>
+          <p:cNvPr id="7" name="圖片 6">
+            <a:extLst>
+              <a:ext uri="{FF2B5EF4-FFF2-40B4-BE49-F238E27FC236}">
+                <a16:creationId xmlns:a16="http://schemas.microsoft.com/office/drawing/2014/main" id="{4EB0EB8F-4865-886A-9DBE-F863045AF809}"/>
+              </a:ext>
+            </a:extLst>
+          </p:cNvPr>
+          <p:cNvPicPr>
+            <a:picLocks noChangeAspect="1"/>
+          </p:cNvPicPr>
+          <p:nvPr/>
+        </p:nvPicPr>
+        <p:blipFill rotWithShape="1">
+          <a:blip r:embed="rId2"/>
+          <a:srcRect l="7924" t="9931" r="7683" b="9931"/>
+          <a:stretch/>
+        </p:blipFill>
+        <p:spPr>
+          <a:xfrm>
+            <a:off x="362339" y="1748323"/>
+            <a:ext cx="4365857" cy="3163077"/>
+          </a:xfrm>
+          <a:prstGeom prst="rect">
+            <a:avLst/>
+          </a:prstGeom>
+        </p:spPr>
+      </p:pic>
+      <p:pic>
+        <p:nvPicPr>
+          <p:cNvPr id="9" name="圖片 8">
+            <a:extLst>
+              <a:ext uri="{FF2B5EF4-FFF2-40B4-BE49-F238E27FC236}">
+                <a16:creationId xmlns:a16="http://schemas.microsoft.com/office/drawing/2014/main" id="{0AB09CF7-C1A0-10CD-7F9A-F04DFD0CF5F8}"/>
+              </a:ext>
+            </a:extLst>
+          </p:cNvPr>
+          <p:cNvPicPr>
+            <a:picLocks noChangeAspect="1"/>
+          </p:cNvPicPr>
+          <p:nvPr/>
+        </p:nvPicPr>
+        <p:blipFill>
+          <a:blip r:embed="rId3"/>
+          <a:stretch>
+            <a:fillRect/>
+          </a:stretch>
+        </p:blipFill>
+        <p:spPr>
+          <a:xfrm>
+            <a:off x="4728196" y="1748323"/>
+            <a:ext cx="3650296" cy="1859441"/>
+          </a:xfrm>
+          <a:prstGeom prst="rect">
+            <a:avLst/>
+          </a:prstGeom>
+        </p:spPr>
+      </p:pic>
+      <p:pic>
+        <p:nvPicPr>
+          <p:cNvPr id="15" name="圖片 14">
+            <a:extLst>
+              <a:ext uri="{FF2B5EF4-FFF2-40B4-BE49-F238E27FC236}">
+                <a16:creationId xmlns:a16="http://schemas.microsoft.com/office/drawing/2014/main" id="{DC0BAE65-9774-BEC7-C5D4-8953599E004B}"/>
+              </a:ext>
+            </a:extLst>
+          </p:cNvPr>
+          <p:cNvPicPr>
+            <a:picLocks noChangeAspect="1"/>
+          </p:cNvPicPr>
+          <p:nvPr/>
+        </p:nvPicPr>
+        <p:blipFill>
+          <a:blip r:embed="rId4"/>
+          <a:stretch>
+            <a:fillRect/>
+          </a:stretch>
+        </p:blipFill>
+        <p:spPr>
+          <a:xfrm>
+            <a:off x="4907281" y="3607764"/>
+            <a:ext cx="3398815" cy="1874682"/>
+          </a:xfrm>
+          <a:prstGeom prst="rect">
+            <a:avLst/>
+          </a:prstGeom>
+        </p:spPr>
+      </p:pic>
+      <p:pic>
+        <p:nvPicPr>
+          <p:cNvPr id="18" name="圖片 17">
+            <a:extLst>
+              <a:ext uri="{FF2B5EF4-FFF2-40B4-BE49-F238E27FC236}">
+                <a16:creationId xmlns:a16="http://schemas.microsoft.com/office/drawing/2014/main" id="{1CA71CCA-8496-C8E1-43E2-9961085FA543}"/>
+              </a:ext>
+            </a:extLst>
+          </p:cNvPr>
+          <p:cNvPicPr>
+            <a:picLocks noChangeAspect="1"/>
+          </p:cNvPicPr>
+          <p:nvPr/>
+        </p:nvPicPr>
+        <p:blipFill>
+          <a:blip r:embed="rId5"/>
+          <a:stretch>
+            <a:fillRect/>
+          </a:stretch>
+        </p:blipFill>
+        <p:spPr>
+          <a:xfrm>
+            <a:off x="8378492" y="1748323"/>
+            <a:ext cx="3254022" cy="1775614"/>
+          </a:xfrm>
+          <a:prstGeom prst="rect">
+            <a:avLst/>
+          </a:prstGeom>
+        </p:spPr>
+      </p:pic>
+      <p:pic>
+        <p:nvPicPr>
+          <p:cNvPr id="20" name="圖片 19">
+            <a:extLst>
+              <a:ext uri="{FF2B5EF4-FFF2-40B4-BE49-F238E27FC236}">
+                <a16:creationId xmlns:a16="http://schemas.microsoft.com/office/drawing/2014/main" id="{0460F8FE-0FD2-7EF8-D948-7B541989D167}"/>
+              </a:ext>
+            </a:extLst>
+          </p:cNvPr>
+          <p:cNvPicPr>
+            <a:picLocks noChangeAspect="1"/>
+          </p:cNvPicPr>
+          <p:nvPr/>
+        </p:nvPicPr>
+        <p:blipFill>
+          <a:blip r:embed="rId6"/>
+          <a:stretch>
+            <a:fillRect/>
+          </a:stretch>
+        </p:blipFill>
+        <p:spPr>
+          <a:xfrm>
+            <a:off x="8378492" y="3523937"/>
+            <a:ext cx="3086367" cy="1859441"/>
+          </a:xfrm>
+          <a:prstGeom prst="rect">
+            <a:avLst/>
+          </a:prstGeom>
+        </p:spPr>
+      </p:pic>
     </p:spTree>
   </p:cSld>
   <p:clrMapOvr>
@@ -4754,10 +3593,23 @@
         <p:cNvGrpSpPr/>
         <p:nvPr/>
       </p:nvGrpSpPr>
-      <p:grpSpPr/>
-      <p:sp>
-        <p:nvSpPr>
-          <p:cNvPr id="2" name="Title 1"/>
+      <p:grpSpPr>
+        <a:xfrm>
+          <a:off x="0" y="0"/>
+          <a:ext cx="0" cy="0"/>
+          <a:chOff x="0" y="0"/>
+          <a:chExt cx="0" cy="0"/>
+        </a:xfrm>
+      </p:grpSpPr>
+      <p:sp>
+        <p:nvSpPr>
+          <p:cNvPr id="2" name="標題 1">
+            <a:extLst>
+              <a:ext uri="{FF2B5EF4-FFF2-40B4-BE49-F238E27FC236}">
+                <a16:creationId xmlns:a16="http://schemas.microsoft.com/office/drawing/2014/main" id="{DA26F581-BA3E-E517-67FA-AB67CCB93186}"/>
+              </a:ext>
+            </a:extLst>
+          </p:cNvPr>
           <p:cNvSpPr>
             <a:spLocks noGrp="1"/>
           </p:cNvSpPr>
@@ -4768,653 +3620,167 @@
         <p:spPr/>
         <p:txBody>
           <a:bodyPr/>
-          <a:p>
-            <a:r>
-              <a:rPr lang="en-US"/>
-              <a:t>Total MAE</a:t>
-            </a:r>
-            <a:endParaRPr lang="en-US"/>
-          </a:p>
-        </p:txBody>
-      </p:sp>
-      <p:graphicFrame>
-        <p:nvGraphicFramePr>
-          <p:cNvPr id="4" name="Content Placeholder 3"/>
-          <p:cNvGraphicFramePr/>
+          <a:lstStyle/>
+          <a:p>
+            <a:r>
+              <a:rPr lang="en-US" altLang="zh-TW" dirty="0"/>
+              <a:t>SNR </a:t>
+            </a:r>
+            <a:endParaRPr lang="zh-TW" altLang="en-US" dirty="0"/>
+          </a:p>
+        </p:txBody>
+      </p:sp>
+      <p:sp>
+        <p:nvSpPr>
+          <p:cNvPr id="3" name="內容版面配置區 2">
+            <a:extLst>
+              <a:ext uri="{FF2B5EF4-FFF2-40B4-BE49-F238E27FC236}">
+                <a16:creationId xmlns:a16="http://schemas.microsoft.com/office/drawing/2014/main" id="{7F0449C0-CD4A-C632-C61A-E6A807B0A8C8}"/>
+              </a:ext>
+            </a:extLst>
+          </p:cNvPr>
+          <p:cNvSpPr>
+            <a:spLocks noGrp="1"/>
+          </p:cNvSpPr>
           <p:nvPr>
             <p:ph idx="1"/>
           </p:nvPr>
-        </p:nvGraphicFramePr>
-        <p:xfrm>
-          <a:off x="596265" y="1691005"/>
-          <a:ext cx="10576560" cy="3884930"/>
-        </p:xfrm>
-        <a:graphic>
-          <a:graphicData uri="http://schemas.openxmlformats.org/drawingml/2006/table">
-            <a:tbl>
-              <a:tblPr firstRow="1" bandRow="1">
-                <a:tableStyleId>{5C22544A-7EE6-4342-B048-85BDC9FD1C3A}</a:tableStyleId>
-              </a:tblPr>
-              <a:tblGrid>
-                <a:gridCol w="1835150"/>
-                <a:gridCol w="1456690"/>
-                <a:gridCol w="1456690"/>
-                <a:gridCol w="1457325"/>
-                <a:gridCol w="1456690"/>
-                <a:gridCol w="1457325"/>
-                <a:gridCol w="1456690"/>
-              </a:tblGrid>
-              <a:tr h="982980">
-                <a:tc>
-                  <a:txBody>
-                    <a:bodyPr/>
-                    <a:p>
-                      <a:pPr>
-                        <a:buNone/>
-                      </a:pPr>
-                      <a:r>
-                        <a:rPr lang="en-US"/>
-                        <a:t>Sampling rate</a:t>
-                      </a:r>
-                      <a:endParaRPr lang="en-US"/>
-                    </a:p>
-                  </a:txBody>
-                  <a:tcPr/>
-                </a:tc>
-                <a:tc rowSpan="2">
-                  <a:txBody>
-                    <a:bodyPr/>
-                    <a:p>
-                      <a:pPr>
-                        <a:buNone/>
-                      </a:pPr>
-                      <a:r>
-                        <a:rPr lang="en-US"/>
-                        <a:t>480</a:t>
-                      </a:r>
-                      <a:endParaRPr lang="en-US"/>
-                    </a:p>
-                  </a:txBody>
-                  <a:tcPr/>
-                </a:tc>
-                <a:tc rowSpan="2">
-                  <a:txBody>
-                    <a:bodyPr/>
-                    <a:p>
-                      <a:pPr>
-                        <a:buNone/>
-                      </a:pPr>
-                      <a:r>
-                        <a:rPr lang="en-US"/>
-                        <a:t>240</a:t>
-                      </a:r>
-                      <a:endParaRPr lang="en-US"/>
-                    </a:p>
-                  </a:txBody>
-                  <a:tcPr/>
-                </a:tc>
-                <a:tc rowSpan="2">
-                  <a:txBody>
-                    <a:bodyPr/>
-                    <a:p>
-                      <a:pPr>
-                        <a:buNone/>
-                      </a:pPr>
-                      <a:r>
-                        <a:rPr lang="en-US"/>
-                        <a:t>120</a:t>
-                      </a:r>
-                      <a:endParaRPr lang="en-US"/>
-                    </a:p>
-                  </a:txBody>
-                  <a:tcPr/>
-                </a:tc>
-                <a:tc rowSpan="2">
-                  <a:txBody>
-                    <a:bodyPr/>
-                    <a:p>
-                      <a:pPr>
-                        <a:buNone/>
-                      </a:pPr>
-                      <a:r>
-                        <a:rPr lang="en-US"/>
-                        <a:t>60</a:t>
-                      </a:r>
-                      <a:endParaRPr lang="en-US"/>
-                    </a:p>
-                  </a:txBody>
-                  <a:tcPr/>
-                </a:tc>
-                <a:tc rowSpan="2">
-                  <a:txBody>
-                    <a:bodyPr/>
-                    <a:p>
-                      <a:pPr>
-                        <a:buNone/>
-                      </a:pPr>
-                      <a:r>
-                        <a:rPr lang="en-US"/>
-                        <a:t>30</a:t>
-                      </a:r>
-                      <a:endParaRPr lang="en-US"/>
-                    </a:p>
-                  </a:txBody>
-                  <a:tcPr/>
-                </a:tc>
-                <a:tc rowSpan="2">
-                  <a:txBody>
-                    <a:bodyPr/>
-                    <a:p>
-                      <a:pPr>
-                        <a:buNone/>
-                      </a:pPr>
-                      <a:r>
-                        <a:rPr lang="en-US"/>
-                        <a:t>15</a:t>
-                      </a:r>
-                      <a:endParaRPr lang="en-US"/>
-                    </a:p>
-                  </a:txBody>
-                  <a:tcPr/>
-                </a:tc>
-              </a:tr>
-              <a:tr h="561340">
-                <a:tc>
-                  <a:txBody>
-                    <a:bodyPr/>
-                    <a:p>
-                      <a:pPr>
-                        <a:buNone/>
-                      </a:pPr>
-                      <a:r>
-                        <a:rPr lang="en-US"/>
-                        <a:t>Signal</a:t>
-                      </a:r>
-                      <a:endParaRPr lang="en-US"/>
-                    </a:p>
-                  </a:txBody>
-                  <a:tcPr/>
-                </a:tc>
-                <a:tc vMerge="1">
-                  <a:tcPr/>
-                </a:tc>
-                <a:tc vMerge="1">
-                  <a:tcPr/>
-                </a:tc>
-                <a:tc vMerge="1">
-                  <a:tcPr/>
-                </a:tc>
-                <a:tc vMerge="1">
-                  <a:tcPr/>
-                </a:tc>
-                <a:tc vMerge="1">
-                  <a:tcPr/>
-                </a:tc>
-                <a:tc vMerge="1">
-                  <a:tcPr/>
-                </a:tc>
-              </a:tr>
-              <a:tr h="585470">
-                <a:tc>
-                  <a:txBody>
-                    <a:bodyPr/>
-                    <a:p>
-                      <a:pPr>
-                        <a:buNone/>
-                      </a:pPr>
-                      <a:r>
-                        <a:rPr lang="en-US"/>
-                        <a:t>A</a:t>
-                      </a:r>
-                      <a:endParaRPr lang="en-US"/>
-                    </a:p>
-                  </a:txBody>
-                  <a:tcPr/>
-                </a:tc>
-                <a:tc>
-                  <a:txBody>
-                    <a:bodyPr/>
-                    <a:p>
-                      <a:pPr>
-                        <a:buNone/>
-                      </a:pPr>
-                      <a:r>
-                        <a:rPr lang="en-US"/>
-                        <a:t>1.23e-05</a:t>
-                      </a:r>
-                      <a:endParaRPr lang="en-US"/>
-                    </a:p>
-                  </a:txBody>
-                  <a:tcPr/>
-                </a:tc>
-                <a:tc>
-                  <a:txBody>
-                    <a:bodyPr/>
-                    <a:p>
-                      <a:pPr>
-                        <a:buNone/>
-                      </a:pPr>
-                      <a:r>
-                        <a:rPr lang="en-US"/>
-                        <a:t>5.79e-05</a:t>
-                      </a:r>
-                      <a:endParaRPr lang="en-US"/>
-                    </a:p>
-                  </a:txBody>
-                  <a:tcPr/>
-                </a:tc>
-                <a:tc>
-                  <a:txBody>
-                    <a:bodyPr/>
-                    <a:p>
-                      <a:pPr>
-                        <a:buNone/>
-                      </a:pPr>
-                      <a:r>
-                        <a:rPr lang="en-US"/>
-                        <a:t>2.4e-04</a:t>
-                      </a:r>
-                      <a:endParaRPr lang="en-US"/>
-                    </a:p>
-                  </a:txBody>
-                  <a:tcPr/>
-                </a:tc>
-                <a:tc>
-                  <a:txBody>
-                    <a:bodyPr/>
-                    <a:p>
-                      <a:pPr>
-                        <a:buNone/>
-                      </a:pPr>
-                      <a:r>
-                        <a:rPr lang="en-US"/>
-                        <a:t>9.4e-04</a:t>
-                      </a:r>
-                      <a:endParaRPr lang="en-US"/>
-                    </a:p>
-                  </a:txBody>
-                  <a:tcPr/>
-                </a:tc>
-                <a:tc>
-                  <a:txBody>
-                    <a:bodyPr/>
-                    <a:p>
-                      <a:pPr>
-                        <a:buNone/>
-                      </a:pPr>
-                      <a:r>
-                        <a:rPr lang="en-US"/>
-                        <a:t>0.00413</a:t>
-                      </a:r>
-                      <a:endParaRPr lang="en-US"/>
-                    </a:p>
-                  </a:txBody>
-                  <a:tcPr/>
-                </a:tc>
-                <a:tc>
-                  <a:txBody>
-                    <a:bodyPr/>
-                    <a:p>
-                      <a:pPr>
-                        <a:buNone/>
-                      </a:pPr>
-                      <a:r>
-                        <a:rPr lang="en-US"/>
-                        <a:t>0.01833</a:t>
-                      </a:r>
-                      <a:endParaRPr lang="en-US"/>
-                    </a:p>
-                  </a:txBody>
-                  <a:tcPr/>
-                </a:tc>
-              </a:tr>
-              <a:tr h="584835">
-                <a:tc>
-                  <a:txBody>
-                    <a:bodyPr/>
-                    <a:p>
-                      <a:pPr>
-                        <a:buNone/>
-                      </a:pPr>
-                      <a:r>
-                        <a:rPr lang="en-US"/>
-                        <a:t>B</a:t>
-                      </a:r>
-                      <a:endParaRPr lang="en-US"/>
-                    </a:p>
-                  </a:txBody>
-                  <a:tcPr/>
-                </a:tc>
-                <a:tc>
-                  <a:txBody>
-                    <a:bodyPr/>
-                    <a:p>
-                      <a:pPr>
-                        <a:buNone/>
-                      </a:pPr>
-                      <a:r>
-                        <a:rPr lang="en-US"/>
-                        <a:t>0.00327</a:t>
-                      </a:r>
-                      <a:endParaRPr lang="en-US"/>
-                    </a:p>
-                  </a:txBody>
-                  <a:tcPr/>
-                </a:tc>
-                <a:tc>
-                  <a:txBody>
-                    <a:bodyPr/>
-                    <a:p>
-                      <a:pPr>
-                        <a:buNone/>
-                      </a:pPr>
-                      <a:r>
-                        <a:rPr lang="en-US"/>
-                        <a:t>0.01626</a:t>
-                      </a:r>
-                      <a:endParaRPr lang="en-US"/>
-                    </a:p>
-                  </a:txBody>
-                  <a:tcPr/>
-                </a:tc>
-                <a:tc>
-                  <a:txBody>
-                    <a:bodyPr/>
-                    <a:p>
-                      <a:pPr>
-                        <a:buNone/>
-                      </a:pPr>
-                      <a:r>
-                        <a:rPr lang="en-US"/>
-                        <a:t>0.06290</a:t>
-                      </a:r>
-                      <a:endParaRPr lang="en-US"/>
-                    </a:p>
-                  </a:txBody>
-                  <a:tcPr/>
-                </a:tc>
-                <a:tc>
-                  <a:txBody>
-                    <a:bodyPr/>
-                    <a:p>
-                      <a:pPr>
-                        <a:buNone/>
-                      </a:pPr>
-                      <a:r>
-                        <a:rPr lang="en-US"/>
-                        <a:t>0.20351</a:t>
-                      </a:r>
-                      <a:endParaRPr lang="en-US"/>
-                    </a:p>
-                  </a:txBody>
-                  <a:tcPr/>
-                </a:tc>
-                <a:tc>
-                  <a:txBody>
-                    <a:bodyPr/>
-                    <a:p>
-                      <a:pPr>
-                        <a:buNone/>
-                      </a:pPr>
-                      <a:r>
-                        <a:rPr lang="en-US"/>
-                        <a:t>0.29909</a:t>
-                      </a:r>
-                      <a:endParaRPr lang="en-US"/>
-                    </a:p>
-                  </a:txBody>
-                  <a:tcPr/>
-                </a:tc>
-                <a:tc>
-                  <a:txBody>
-                    <a:bodyPr/>
-                    <a:p>
-                      <a:pPr>
-                        <a:buNone/>
-                      </a:pPr>
-                      <a:r>
-                        <a:rPr lang="en-US"/>
-                        <a:t>0.35274</a:t>
-                      </a:r>
-                      <a:endParaRPr lang="en-US"/>
-                    </a:p>
-                  </a:txBody>
-                  <a:tcPr/>
-                </a:tc>
-              </a:tr>
-              <a:tr h="585470">
-                <a:tc>
-                  <a:txBody>
-                    <a:bodyPr/>
-                    <a:p>
-                      <a:pPr>
-                        <a:buNone/>
-                      </a:pPr>
-                      <a:r>
-                        <a:rPr lang="en-US"/>
-                        <a:t>C</a:t>
-                      </a:r>
-                      <a:endParaRPr lang="en-US"/>
-                    </a:p>
-                  </a:txBody>
-                  <a:tcPr/>
-                </a:tc>
-                <a:tc>
-                  <a:txBody>
-                    <a:bodyPr/>
-                    <a:p>
-                      <a:pPr>
-                        <a:buNone/>
-                      </a:pPr>
-                      <a:r>
-                        <a:rPr lang="en-US"/>
-                        <a:t>4.30e-05</a:t>
-                      </a:r>
-                      <a:endParaRPr lang="en-US"/>
-                    </a:p>
-                  </a:txBody>
-                  <a:tcPr/>
-                </a:tc>
-                <a:tc>
-                  <a:txBody>
-                    <a:bodyPr/>
-                    <a:p>
-                      <a:pPr>
-                        <a:buNone/>
-                      </a:pPr>
-                      <a:r>
-                        <a:rPr lang="en-US"/>
-                        <a:t>2.09e-04</a:t>
-                      </a:r>
-                      <a:endParaRPr lang="en-US"/>
-                    </a:p>
-                  </a:txBody>
-                  <a:tcPr/>
-                </a:tc>
-                <a:tc>
-                  <a:txBody>
-                    <a:bodyPr/>
-                    <a:p>
-                      <a:pPr>
-                        <a:buNone/>
-                      </a:pPr>
-                      <a:r>
-                        <a:rPr lang="en-US"/>
-                        <a:t>8.70e-04</a:t>
-                      </a:r>
-                      <a:endParaRPr lang="en-US"/>
-                    </a:p>
-                  </a:txBody>
-                  <a:tcPr/>
-                </a:tc>
-                <a:tc>
-                  <a:txBody>
-                    <a:bodyPr/>
-                    <a:p>
-                      <a:pPr>
-                        <a:buNone/>
-                      </a:pPr>
-                      <a:r>
-                        <a:rPr lang="en-US"/>
-                        <a:t>0.00337</a:t>
-                      </a:r>
-                      <a:endParaRPr lang="en-US"/>
-                    </a:p>
-                  </a:txBody>
-                  <a:tcPr/>
-                </a:tc>
-                <a:tc>
-                  <a:txBody>
-                    <a:bodyPr/>
-                    <a:p>
-                      <a:pPr>
-                        <a:buNone/>
-                      </a:pPr>
-                      <a:r>
-                        <a:rPr lang="en-US"/>
-                        <a:t>0.01543</a:t>
-                      </a:r>
-                      <a:endParaRPr lang="en-US"/>
-                    </a:p>
-                  </a:txBody>
-                  <a:tcPr/>
-                </a:tc>
-                <a:tc>
-                  <a:txBody>
-                    <a:bodyPr/>
-                    <a:p>
-                      <a:pPr>
-                        <a:buNone/>
-                      </a:pPr>
-                      <a:r>
-                        <a:rPr lang="en-US"/>
-                        <a:t>0.03342</a:t>
-                      </a:r>
-                      <a:endParaRPr lang="en-US"/>
-                    </a:p>
-                  </a:txBody>
-                  <a:tcPr/>
-                </a:tc>
-              </a:tr>
-              <a:tr h="584835">
-                <a:tc>
-                  <a:txBody>
-                    <a:bodyPr/>
-                    <a:p>
-                      <a:pPr>
-                        <a:buNone/>
-                      </a:pPr>
-                      <a:r>
-                        <a:rPr lang="en-US"/>
-                        <a:t>D</a:t>
-                      </a:r>
-                      <a:endParaRPr lang="en-US"/>
-                    </a:p>
-                  </a:txBody>
-                  <a:tcPr/>
-                </a:tc>
-                <a:tc>
-                  <a:txBody>
-                    <a:bodyPr/>
-                    <a:p>
-                      <a:pPr>
-                        <a:buNone/>
-                      </a:pPr>
-                      <a:r>
-                        <a:rPr lang="en-US"/>
-                        <a:t>0</a:t>
-                      </a:r>
-                      <a:endParaRPr lang="en-US"/>
-                    </a:p>
-                  </a:txBody>
-                  <a:tcPr/>
-                </a:tc>
-                <a:tc>
-                  <a:txBody>
-                    <a:bodyPr/>
-                    <a:p>
-                      <a:pPr>
-                        <a:buNone/>
-                      </a:pPr>
-                      <a:r>
-                        <a:rPr lang="en-US"/>
-                        <a:t>0</a:t>
-                      </a:r>
-                      <a:endParaRPr lang="en-US"/>
-                    </a:p>
-                  </a:txBody>
-                  <a:tcPr/>
-                </a:tc>
-                <a:tc>
-                  <a:txBody>
-                    <a:bodyPr/>
-                    <a:p>
-                      <a:pPr>
-                        <a:buNone/>
-                      </a:pPr>
-                      <a:r>
-                        <a:rPr lang="en-US"/>
-                        <a:t>0.00147</a:t>
-                      </a:r>
-                      <a:endParaRPr lang="en-US"/>
-                    </a:p>
-                  </a:txBody>
-                  <a:tcPr/>
-                </a:tc>
-                <a:tc>
-                  <a:txBody>
-                    <a:bodyPr/>
-                    <a:p>
-                      <a:pPr>
-                        <a:buNone/>
-                      </a:pPr>
-                      <a:r>
-                        <a:rPr lang="en-US"/>
-                        <a:t>0.00658</a:t>
-                      </a:r>
-                      <a:endParaRPr lang="en-US"/>
-                    </a:p>
-                  </a:txBody>
-                  <a:tcPr/>
-                </a:tc>
-                <a:tc>
-                  <a:txBody>
-                    <a:bodyPr/>
-                    <a:p>
-                      <a:pPr>
-                        <a:buNone/>
-                      </a:pPr>
-                      <a:r>
-                        <a:rPr lang="en-US"/>
-                        <a:t>0.02024</a:t>
-                      </a:r>
-                      <a:endParaRPr lang="en-US"/>
-                    </a:p>
-                  </a:txBody>
-                  <a:tcPr/>
-                </a:tc>
-                <a:tc>
-                  <a:txBody>
-                    <a:bodyPr/>
-                    <a:p>
-                      <a:pPr>
-                        <a:buNone/>
-                      </a:pPr>
-                      <a:r>
-                        <a:rPr lang="en-US"/>
-                        <a:t>0.04697</a:t>
-                      </a:r>
-                      <a:endParaRPr lang="en-US"/>
-                    </a:p>
-                  </a:txBody>
-                  <a:tcPr/>
-                </a:tc>
-              </a:tr>
-            </a:tbl>
-          </a:graphicData>
-        </a:graphic>
-      </p:graphicFrame>
+        </p:nvSpPr>
+        <p:spPr/>
+        <p:txBody>
+          <a:bodyPr/>
+          <a:lstStyle/>
+          <a:p>
+            <a:endParaRPr lang="zh-TW" altLang="en-US" dirty="0"/>
+          </a:p>
+        </p:txBody>
+      </p:sp>
+      <p:pic>
+        <p:nvPicPr>
+          <p:cNvPr id="5" name="圖片 4">
+            <a:extLst>
+              <a:ext uri="{FF2B5EF4-FFF2-40B4-BE49-F238E27FC236}">
+                <a16:creationId xmlns:a16="http://schemas.microsoft.com/office/drawing/2014/main" id="{33C184DC-335C-CC33-9C9A-3662FBB90092}"/>
+              </a:ext>
+            </a:extLst>
+          </p:cNvPr>
+          <p:cNvPicPr>
+            <a:picLocks noChangeAspect="1"/>
+          </p:cNvPicPr>
+          <p:nvPr/>
+        </p:nvPicPr>
+        <p:blipFill>
+          <a:blip r:embed="rId2"/>
+          <a:stretch>
+            <a:fillRect/>
+          </a:stretch>
+        </p:blipFill>
+        <p:spPr>
+          <a:xfrm>
+            <a:off x="838200" y="1825625"/>
+            <a:ext cx="9175275" cy="1394581"/>
+          </a:xfrm>
+          <a:prstGeom prst="rect">
+            <a:avLst/>
+          </a:prstGeom>
+        </p:spPr>
+      </p:pic>
+      <p:pic>
+        <p:nvPicPr>
+          <p:cNvPr id="7" name="圖片 6">
+            <a:extLst>
+              <a:ext uri="{FF2B5EF4-FFF2-40B4-BE49-F238E27FC236}">
+                <a16:creationId xmlns:a16="http://schemas.microsoft.com/office/drawing/2014/main" id="{2D72FF1F-0A6B-DCBD-E647-38ABBA83A89A}"/>
+              </a:ext>
+            </a:extLst>
+          </p:cNvPr>
+          <p:cNvPicPr>
+            <a:picLocks noChangeAspect="1"/>
+          </p:cNvPicPr>
+          <p:nvPr/>
+        </p:nvPicPr>
+        <p:blipFill>
+          <a:blip r:embed="rId3"/>
+          <a:stretch>
+            <a:fillRect/>
+          </a:stretch>
+        </p:blipFill>
+        <p:spPr>
+          <a:xfrm>
+            <a:off x="838200" y="3220206"/>
+            <a:ext cx="9205758" cy="868755"/>
+          </a:xfrm>
+          <a:prstGeom prst="rect">
+            <a:avLst/>
+          </a:prstGeom>
+        </p:spPr>
+      </p:pic>
+      <p:pic>
+        <p:nvPicPr>
+          <p:cNvPr id="9" name="圖片 8">
+            <a:extLst>
+              <a:ext uri="{FF2B5EF4-FFF2-40B4-BE49-F238E27FC236}">
+                <a16:creationId xmlns:a16="http://schemas.microsoft.com/office/drawing/2014/main" id="{474E5124-F2D8-A9FA-743E-AC05760BC727}"/>
+              </a:ext>
+            </a:extLst>
+          </p:cNvPr>
+          <p:cNvPicPr>
+            <a:picLocks noChangeAspect="1"/>
+          </p:cNvPicPr>
+          <p:nvPr/>
+        </p:nvPicPr>
+        <p:blipFill>
+          <a:blip r:embed="rId4"/>
+          <a:stretch>
+            <a:fillRect/>
+          </a:stretch>
+        </p:blipFill>
+        <p:spPr>
+          <a:xfrm>
+            <a:off x="838200" y="4088961"/>
+            <a:ext cx="9274344" cy="891617"/>
+          </a:xfrm>
+          <a:prstGeom prst="rect">
+            <a:avLst/>
+          </a:prstGeom>
+        </p:spPr>
+      </p:pic>
+      <p:pic>
+        <p:nvPicPr>
+          <p:cNvPr id="11" name="圖片 10">
+            <a:extLst>
+              <a:ext uri="{FF2B5EF4-FFF2-40B4-BE49-F238E27FC236}">
+                <a16:creationId xmlns:a16="http://schemas.microsoft.com/office/drawing/2014/main" id="{827925A3-497A-132F-8F5A-CBFA56B2E77B}"/>
+              </a:ext>
+            </a:extLst>
+          </p:cNvPr>
+          <p:cNvPicPr>
+            <a:picLocks noChangeAspect="1"/>
+          </p:cNvPicPr>
+          <p:nvPr/>
+        </p:nvPicPr>
+        <p:blipFill>
+          <a:blip r:embed="rId5"/>
+          <a:stretch>
+            <a:fillRect/>
+          </a:stretch>
+        </p:blipFill>
+        <p:spPr>
+          <a:xfrm>
+            <a:off x="838200" y="4980578"/>
+            <a:ext cx="8961897" cy="891617"/>
+          </a:xfrm>
+          <a:prstGeom prst="rect">
+            <a:avLst/>
+          </a:prstGeom>
+        </p:spPr>
+      </p:pic>
     </p:spTree>
+    <p:extLst>
+      <p:ext uri="{BB962C8B-B14F-4D97-AF65-F5344CB8AC3E}">
+        <p14:creationId xmlns:p14="http://schemas.microsoft.com/office/powerpoint/2010/main" val="2940974246"/>
+      </p:ext>
+    </p:extLst>
   </p:cSld>
   <p:clrMapOvr>
     <a:masterClrMapping/>
@@ -5431,10 +3797,23 @@
         <p:cNvGrpSpPr/>
         <p:nvPr/>
       </p:nvGrpSpPr>
-      <p:grpSpPr/>
-      <p:sp>
-        <p:nvSpPr>
-          <p:cNvPr id="2" name="Title 1"/>
+      <p:grpSpPr>
+        <a:xfrm>
+          <a:off x="0" y="0"/>
+          <a:ext cx="0" cy="0"/>
+          <a:chOff x="0" y="0"/>
+          <a:chExt cx="0" cy="0"/>
+        </a:xfrm>
+      </p:grpSpPr>
+      <p:sp>
+        <p:nvSpPr>
+          <p:cNvPr id="2" name="標題 1">
+            <a:extLst>
+              <a:ext uri="{FF2B5EF4-FFF2-40B4-BE49-F238E27FC236}">
+                <a16:creationId xmlns:a16="http://schemas.microsoft.com/office/drawing/2014/main" id="{D79C3367-A73F-7FB7-D1F8-88BF8630DD46}"/>
+              </a:ext>
+            </a:extLst>
+          </p:cNvPr>
           <p:cNvSpPr>
             <a:spLocks noGrp="1"/>
           </p:cNvSpPr>
@@ -5442,45 +3821,118 @@
             <p:ph type="title"/>
           </p:nvPr>
         </p:nvSpPr>
-        <p:spPr/>
-        <p:txBody>
-          <a:bodyPr/>
-          <a:p>
-            <a:r>
-              <a:rPr lang="en-US"/>
-              <a:t>Interval MAE for signal A </a:t>
-            </a:r>
-            <a:endParaRPr lang="en-US"/>
+        <p:spPr>
+          <a:xfrm>
+            <a:off x="693407" y="-255050"/>
+            <a:ext cx="10515600" cy="1325563"/>
+          </a:xfrm>
+        </p:spPr>
+        <p:txBody>
+          <a:bodyPr>
+            <a:normAutofit/>
+          </a:bodyPr>
+          <a:lstStyle/>
+          <a:p>
+            <a:pPr algn="ctr"/>
+            <a:r>
+              <a:rPr lang="en-US" altLang="zh-TW" sz="3000" dirty="0"/>
+              <a:t>Signal A</a:t>
+            </a:r>
+            <a:endParaRPr lang="zh-TW" altLang="en-US" sz="3000" dirty="0"/>
+          </a:p>
+        </p:txBody>
+      </p:sp>
+      <p:sp>
+        <p:nvSpPr>
+          <p:cNvPr id="3" name="內容版面配置區 2">
+            <a:extLst>
+              <a:ext uri="{FF2B5EF4-FFF2-40B4-BE49-F238E27FC236}">
+                <a16:creationId xmlns:a16="http://schemas.microsoft.com/office/drawing/2014/main" id="{A24F2BC5-BE0D-2890-7670-7898FB6D9515}"/>
+              </a:ext>
+            </a:extLst>
+          </p:cNvPr>
+          <p:cNvSpPr>
+            <a:spLocks noGrp="1"/>
+          </p:cNvSpPr>
+          <p:nvPr>
+            <p:ph idx="1"/>
+          </p:nvPr>
+        </p:nvSpPr>
+        <p:spPr/>
+        <p:txBody>
+          <a:bodyPr/>
+          <a:lstStyle/>
+          <a:p>
+            <a:endParaRPr lang="zh-TW" altLang="en-US"/>
           </a:p>
         </p:txBody>
       </p:sp>
       <p:pic>
         <p:nvPicPr>
-          <p:cNvPr id="6" name="Content Placeholder 5"/>
+          <p:cNvPr id="5" name="圖片 4">
+            <a:extLst>
+              <a:ext uri="{FF2B5EF4-FFF2-40B4-BE49-F238E27FC236}">
+                <a16:creationId xmlns:a16="http://schemas.microsoft.com/office/drawing/2014/main" id="{D3BA043D-21AB-4826-41A1-6BA121A97834}"/>
+              </a:ext>
+            </a:extLst>
+          </p:cNvPr>
           <p:cNvPicPr>
             <a:picLocks noChangeAspect="1"/>
           </p:cNvPicPr>
-          <p:nvPr>
-            <p:ph idx="1"/>
-          </p:nvPr>
+          <p:nvPr/>
         </p:nvPicPr>
         <p:blipFill>
-          <a:blip r:embed="rId1"/>
+          <a:blip r:embed="rId2"/>
           <a:stretch>
             <a:fillRect/>
           </a:stretch>
         </p:blipFill>
         <p:spPr>
           <a:xfrm>
-            <a:off x="265430" y="1383030"/>
-            <a:ext cx="12102465" cy="3297555"/>
+            <a:off x="407178" y="615722"/>
+            <a:ext cx="11377646" cy="3139712"/>
           </a:xfrm>
           <a:prstGeom prst="rect">
             <a:avLst/>
           </a:prstGeom>
         </p:spPr>
       </p:pic>
+      <p:pic>
+        <p:nvPicPr>
+          <p:cNvPr id="7" name="圖片 6">
+            <a:extLst>
+              <a:ext uri="{FF2B5EF4-FFF2-40B4-BE49-F238E27FC236}">
+                <a16:creationId xmlns:a16="http://schemas.microsoft.com/office/drawing/2014/main" id="{ADA87049-34D5-A853-419D-14A2DD4B913E}"/>
+              </a:ext>
+            </a:extLst>
+          </p:cNvPr>
+          <p:cNvPicPr>
+            <a:picLocks noChangeAspect="1"/>
+          </p:cNvPicPr>
+          <p:nvPr/>
+        </p:nvPicPr>
+        <p:blipFill>
+          <a:blip r:embed="rId3"/>
+          <a:stretch>
+            <a:fillRect/>
+          </a:stretch>
+        </p:blipFill>
+        <p:spPr>
+          <a:xfrm>
+            <a:off x="696761" y="3509210"/>
+            <a:ext cx="11088061" cy="3185436"/>
+          </a:xfrm>
+          <a:prstGeom prst="rect">
+            <a:avLst/>
+          </a:prstGeom>
+        </p:spPr>
+      </p:pic>
     </p:spTree>
+    <p:extLst>
+      <p:ext uri="{BB962C8B-B14F-4D97-AF65-F5344CB8AC3E}">
+        <p14:creationId xmlns:p14="http://schemas.microsoft.com/office/powerpoint/2010/main" val="3759645194"/>
+      </p:ext>
+    </p:extLst>
   </p:cSld>
   <p:clrMapOvr>
     <a:masterClrMapping/>
@@ -5497,36 +3949,73 @@
         <p:cNvGrpSpPr/>
         <p:nvPr/>
       </p:nvGrpSpPr>
-      <p:grpSpPr/>
+      <p:grpSpPr>
+        <a:xfrm>
+          <a:off x="0" y="0"/>
+          <a:ext cx="0" cy="0"/>
+          <a:chOff x="0" y="0"/>
+          <a:chExt cx="0" cy="0"/>
+        </a:xfrm>
+      </p:grpSpPr>
+      <p:sp>
+        <p:nvSpPr>
+          <p:cNvPr id="2" name="標題 1">
+            <a:extLst>
+              <a:ext uri="{FF2B5EF4-FFF2-40B4-BE49-F238E27FC236}">
+                <a16:creationId xmlns:a16="http://schemas.microsoft.com/office/drawing/2014/main" id="{0BB854D1-59B9-F425-7822-3D15D63BC094}"/>
+              </a:ext>
+            </a:extLst>
+          </p:cNvPr>
+          <p:cNvSpPr>
+            <a:spLocks noGrp="1"/>
+          </p:cNvSpPr>
+          <p:nvPr>
+            <p:ph type="title"/>
+          </p:nvPr>
+        </p:nvSpPr>
+        <p:spPr/>
+        <p:txBody>
+          <a:bodyPr/>
+          <a:lstStyle/>
+          <a:p>
+            <a:endParaRPr lang="zh-TW" altLang="en-US"/>
+          </a:p>
+        </p:txBody>
+      </p:sp>
+      <p:sp>
+        <p:nvSpPr>
+          <p:cNvPr id="3" name="內容版面配置區 2">
+            <a:extLst>
+              <a:ext uri="{FF2B5EF4-FFF2-40B4-BE49-F238E27FC236}">
+                <a16:creationId xmlns:a16="http://schemas.microsoft.com/office/drawing/2014/main" id="{74F5CC05-794D-FDDC-3C86-820D2C4C3CBF}"/>
+              </a:ext>
+            </a:extLst>
+          </p:cNvPr>
+          <p:cNvSpPr>
+            <a:spLocks noGrp="1"/>
+          </p:cNvSpPr>
+          <p:nvPr>
+            <p:ph idx="1"/>
+          </p:nvPr>
+        </p:nvSpPr>
+        <p:spPr/>
+        <p:txBody>
+          <a:bodyPr/>
+          <a:lstStyle/>
+          <a:p>
+            <a:endParaRPr lang="zh-TW" altLang="en-US"/>
+          </a:p>
+        </p:txBody>
+      </p:sp>
       <p:pic>
         <p:nvPicPr>
-          <p:cNvPr id="6" name="Content Placeholder 5"/>
-          <p:cNvPicPr>
-            <a:picLocks noChangeAspect="1"/>
-          </p:cNvPicPr>
-          <p:nvPr>
-            <p:ph idx="1"/>
-          </p:nvPr>
-        </p:nvPicPr>
-        <p:blipFill>
-          <a:blip r:embed="rId1"/>
-          <a:stretch>
-            <a:fillRect/>
-          </a:stretch>
-        </p:blipFill>
-        <p:spPr>
-          <a:xfrm>
-            <a:off x="89535" y="105410"/>
-            <a:ext cx="12102465" cy="3297555"/>
-          </a:xfrm>
-          <a:prstGeom prst="rect">
-            <a:avLst/>
-          </a:prstGeom>
-        </p:spPr>
-      </p:pic>
-      <p:pic>
-        <p:nvPicPr>
-          <p:cNvPr id="4" name="Content Placeholder 3"/>
+          <p:cNvPr id="5" name="圖片 4">
+            <a:extLst>
+              <a:ext uri="{FF2B5EF4-FFF2-40B4-BE49-F238E27FC236}">
+                <a16:creationId xmlns:a16="http://schemas.microsoft.com/office/drawing/2014/main" id="{D84840E3-49B1-033D-98E3-B497B81FC438}"/>
+              </a:ext>
+            </a:extLst>
+          </p:cNvPr>
           <p:cNvPicPr>
             <a:picLocks noChangeAspect="1"/>
           </p:cNvPicPr>
@@ -5540,91 +4029,50 @@
         </p:blipFill>
         <p:spPr>
           <a:xfrm>
-            <a:off x="1155065" y="3402965"/>
-            <a:ext cx="10515600" cy="3003550"/>
+            <a:off x="548159" y="362458"/>
+            <a:ext cx="11095682" cy="2926334"/>
           </a:xfrm>
           <a:prstGeom prst="rect">
             <a:avLst/>
           </a:prstGeom>
         </p:spPr>
       </p:pic>
-      <p:cxnSp>
-        <p:nvCxnSpPr>
-          <p:cNvPr id="5" name="Straight Connector 4"/>
-          <p:cNvCxnSpPr/>
+      <p:pic>
+        <p:nvPicPr>
+          <p:cNvPr id="7" name="圖片 6">
+            <a:extLst>
+              <a:ext uri="{FF2B5EF4-FFF2-40B4-BE49-F238E27FC236}">
+                <a16:creationId xmlns:a16="http://schemas.microsoft.com/office/drawing/2014/main" id="{DACF7D79-7F15-B720-1B43-079AF5A5129A}"/>
+              </a:ext>
+            </a:extLst>
+          </p:cNvPr>
+          <p:cNvPicPr>
+            <a:picLocks noChangeAspect="1"/>
+          </p:cNvPicPr>
           <p:nvPr/>
-        </p:nvCxnSpPr>
-        <p:spPr>
-          <a:xfrm>
-            <a:off x="532130" y="2997835"/>
-            <a:ext cx="1141095" cy="3002280"/>
-          </a:xfrm>
-          <a:prstGeom prst="line">
+        </p:nvPicPr>
+        <p:blipFill>
+          <a:blip r:embed="rId3"/>
+          <a:stretch>
+            <a:fillRect/>
+          </a:stretch>
+        </p:blipFill>
+        <p:spPr>
+          <a:xfrm>
+            <a:off x="651038" y="3293208"/>
+            <a:ext cx="10889924" cy="3055885"/>
+          </a:xfrm>
+          <a:prstGeom prst="rect">
             <a:avLst/>
           </a:prstGeom>
-          <a:ln w="63500" cmpd="sng">
-            <a:solidFill>
-              <a:schemeClr val="accent1">
-                <a:shade val="50000"/>
-              </a:schemeClr>
-            </a:solidFill>
-            <a:prstDash val="sysDash"/>
-          </a:ln>
-        </p:spPr>
-        <p:style>
-          <a:lnRef idx="3">
-            <a:schemeClr val="accent2"/>
-          </a:lnRef>
-          <a:fillRef idx="0">
-            <a:schemeClr val="accent2"/>
-          </a:fillRef>
-          <a:effectRef idx="2">
-            <a:schemeClr val="accent2"/>
-          </a:effectRef>
-          <a:fontRef idx="minor">
-            <a:schemeClr val="tx1"/>
-          </a:fontRef>
-        </p:style>
-      </p:cxnSp>
-      <p:cxnSp>
-        <p:nvCxnSpPr>
-          <p:cNvPr id="10" name="Straight Connector 9"/>
-          <p:cNvCxnSpPr/>
-          <p:nvPr/>
-        </p:nvCxnSpPr>
-        <p:spPr>
-          <a:xfrm>
-            <a:off x="2677795" y="1217930"/>
-            <a:ext cx="7343140" cy="3575050"/>
-          </a:xfrm>
-          <a:prstGeom prst="line">
-            <a:avLst/>
-          </a:prstGeom>
-          <a:ln w="63500" cmpd="sng">
-            <a:solidFill>
-              <a:schemeClr val="accent1">
-                <a:shade val="50000"/>
-              </a:schemeClr>
-            </a:solidFill>
-            <a:prstDash val="sysDash"/>
-          </a:ln>
-        </p:spPr>
-        <p:style>
-          <a:lnRef idx="3">
-            <a:schemeClr val="accent2"/>
-          </a:lnRef>
-          <a:fillRef idx="0">
-            <a:schemeClr val="accent2"/>
-          </a:fillRef>
-          <a:effectRef idx="2">
-            <a:schemeClr val="accent2"/>
-          </a:effectRef>
-          <a:fontRef idx="minor">
-            <a:schemeClr val="tx1"/>
-          </a:fontRef>
-        </p:style>
-      </p:cxnSp>
+        </p:spPr>
+      </p:pic>
     </p:spTree>
+    <p:extLst>
+      <p:ext uri="{BB962C8B-B14F-4D97-AF65-F5344CB8AC3E}">
+        <p14:creationId xmlns:p14="http://schemas.microsoft.com/office/powerpoint/2010/main" val="3354569421"/>
+      </p:ext>
+    </p:extLst>
   </p:cSld>
   <p:clrMapOvr>
     <a:masterClrMapping/>
@@ -5641,40 +4089,58 @@
         <p:cNvGrpSpPr/>
         <p:nvPr/>
       </p:nvGrpSpPr>
-      <p:grpSpPr/>
+      <p:grpSpPr>
+        <a:xfrm>
+          <a:off x="0" y="0"/>
+          <a:ext cx="0" cy="0"/>
+          <a:chOff x="0" y="0"/>
+          <a:chExt cx="0" cy="0"/>
+        </a:xfrm>
+      </p:grpSpPr>
+      <p:sp>
+        <p:nvSpPr>
+          <p:cNvPr id="2" name="標題 1">
+            <a:extLst>
+              <a:ext uri="{FF2B5EF4-FFF2-40B4-BE49-F238E27FC236}">
+                <a16:creationId xmlns:a16="http://schemas.microsoft.com/office/drawing/2014/main" id="{8CF86715-696A-6E5A-47AB-2F4F34C2810B}"/>
+              </a:ext>
+            </a:extLst>
+          </p:cNvPr>
+          <p:cNvSpPr>
+            <a:spLocks noGrp="1"/>
+          </p:cNvSpPr>
+          <p:nvPr>
+            <p:ph type="title"/>
+          </p:nvPr>
+        </p:nvSpPr>
+        <p:spPr/>
+        <p:txBody>
+          <a:bodyPr/>
+          <a:lstStyle/>
+          <a:p>
+            <a:r>
+              <a:rPr lang="en-US" altLang="zh-TW" dirty="0"/>
+              <a:t>MAE in signal A</a:t>
+            </a:r>
+            <a:endParaRPr lang="zh-TW" altLang="en-US" dirty="0"/>
+          </a:p>
+        </p:txBody>
+      </p:sp>
       <p:pic>
         <p:nvPicPr>
-          <p:cNvPr id="6" name="Content Placeholder 5"/>
+          <p:cNvPr id="5" name="內容版面配置區 4">
+            <a:extLst>
+              <a:ext uri="{FF2B5EF4-FFF2-40B4-BE49-F238E27FC236}">
+                <a16:creationId xmlns:a16="http://schemas.microsoft.com/office/drawing/2014/main" id="{AAEA3724-7498-B764-BDB2-BF974AEE3696}"/>
+              </a:ext>
+            </a:extLst>
+          </p:cNvPr>
           <p:cNvPicPr>
-            <a:picLocks noChangeAspect="1"/>
+            <a:picLocks noGrp="1" noChangeAspect="1"/>
           </p:cNvPicPr>
           <p:nvPr>
             <p:ph idx="1"/>
           </p:nvPr>
-        </p:nvPicPr>
-        <p:blipFill>
-          <a:blip r:embed="rId1"/>
-          <a:stretch>
-            <a:fillRect/>
-          </a:stretch>
-        </p:blipFill>
-        <p:spPr>
-          <a:xfrm>
-            <a:off x="89535" y="105410"/>
-            <a:ext cx="12102465" cy="3297555"/>
-          </a:xfrm>
-          <a:prstGeom prst="rect">
-            <a:avLst/>
-          </a:prstGeom>
-        </p:spPr>
-      </p:pic>
-      <p:pic>
-        <p:nvPicPr>
-          <p:cNvPr id="4" name="Content Placeholder 3"/>
-          <p:cNvPicPr>
-            <a:picLocks noChangeAspect="1"/>
-          </p:cNvPicPr>
-          <p:nvPr/>
         </p:nvPicPr>
         <p:blipFill>
           <a:blip r:embed="rId2"/>
@@ -5684,115 +4150,17 @@
         </p:blipFill>
         <p:spPr>
           <a:xfrm>
-            <a:off x="1155065" y="3402965"/>
-            <a:ext cx="10515600" cy="3003550"/>
-          </a:xfrm>
-          <a:prstGeom prst="rect">
-            <a:avLst/>
-          </a:prstGeom>
-        </p:spPr>
-      </p:pic>
-      <p:cxnSp>
-        <p:nvCxnSpPr>
-          <p:cNvPr id="5" name="Straight Connector 4"/>
-          <p:cNvCxnSpPr/>
-          <p:nvPr/>
-        </p:nvCxnSpPr>
-        <p:spPr>
-          <a:xfrm>
-            <a:off x="532130" y="2997835"/>
-            <a:ext cx="1141095" cy="3002280"/>
-          </a:xfrm>
-          <a:prstGeom prst="line">
-            <a:avLst/>
-          </a:prstGeom>
-          <a:ln w="63500" cmpd="sng">
-            <a:solidFill>
-              <a:schemeClr val="accent1">
-                <a:shade val="50000"/>
-              </a:schemeClr>
-            </a:solidFill>
-            <a:prstDash val="sysDash"/>
-          </a:ln>
-        </p:spPr>
-        <p:style>
-          <a:lnRef idx="3">
-            <a:schemeClr val="accent2"/>
-          </a:lnRef>
-          <a:fillRef idx="0">
-            <a:schemeClr val="accent2"/>
-          </a:fillRef>
-          <a:effectRef idx="2">
-            <a:schemeClr val="accent2"/>
-          </a:effectRef>
-          <a:fontRef idx="minor">
-            <a:schemeClr val="tx1"/>
-          </a:fontRef>
-        </p:style>
-      </p:cxnSp>
-      <p:cxnSp>
-        <p:nvCxnSpPr>
-          <p:cNvPr id="10" name="Straight Connector 9"/>
-          <p:cNvCxnSpPr/>
-          <p:nvPr/>
-        </p:nvCxnSpPr>
-        <p:spPr>
-          <a:xfrm>
-            <a:off x="2677795" y="1217930"/>
-            <a:ext cx="7343140" cy="3575050"/>
-          </a:xfrm>
-          <a:prstGeom prst="line">
-            <a:avLst/>
-          </a:prstGeom>
-          <a:ln w="63500" cmpd="sng">
-            <a:solidFill>
-              <a:schemeClr val="accent1">
-                <a:shade val="50000"/>
-              </a:schemeClr>
-            </a:solidFill>
-            <a:prstDash val="sysDash"/>
-          </a:ln>
-        </p:spPr>
-        <p:style>
-          <a:lnRef idx="3">
-            <a:schemeClr val="accent2"/>
-          </a:lnRef>
-          <a:fillRef idx="0">
-            <a:schemeClr val="accent2"/>
-          </a:fillRef>
-          <a:effectRef idx="2">
-            <a:schemeClr val="accent2"/>
-          </a:effectRef>
-          <a:fontRef idx="minor">
-            <a:schemeClr val="tx1"/>
-          </a:fontRef>
-        </p:style>
-      </p:cxnSp>
-      <p:pic>
-        <p:nvPicPr>
-          <p:cNvPr id="9" name="Picture 8"/>
-          <p:cNvPicPr>
-            <a:picLocks noChangeAspect="1"/>
-          </p:cNvPicPr>
-          <p:nvPr/>
-        </p:nvPicPr>
-        <p:blipFill>
-          <a:blip r:embed="rId3"/>
-          <a:stretch>
-            <a:fillRect/>
-          </a:stretch>
-        </p:blipFill>
-        <p:spPr>
-          <a:xfrm>
-            <a:off x="4364990" y="105410"/>
-            <a:ext cx="7566660" cy="3543300"/>
-          </a:xfrm>
-          <a:prstGeom prst="rect">
-            <a:avLst/>
-          </a:prstGeom>
+            <a:off x="838200" y="2080260"/>
+            <a:ext cx="10515600" cy="2293186"/>
+          </a:xfrm>
         </p:spPr>
       </p:pic>
     </p:spTree>
+    <p:extLst>
+      <p:ext uri="{BB962C8B-B14F-4D97-AF65-F5344CB8AC3E}">
+        <p14:creationId xmlns:p14="http://schemas.microsoft.com/office/powerpoint/2010/main" val="2139462212"/>
+      </p:ext>
+    </p:extLst>
   </p:cSld>
   <p:clrMapOvr>
     <a:masterClrMapping/>
@@ -5809,10 +4177,23 @@
         <p:cNvGrpSpPr/>
         <p:nvPr/>
       </p:nvGrpSpPr>
-      <p:grpSpPr/>
-      <p:sp>
-        <p:nvSpPr>
-          <p:cNvPr id="2" name="Title 1"/>
+      <p:grpSpPr>
+        <a:xfrm>
+          <a:off x="0" y="0"/>
+          <a:ext cx="0" cy="0"/>
+          <a:chOff x="0" y="0"/>
+          <a:chExt cx="0" cy="0"/>
+        </a:xfrm>
+      </p:grpSpPr>
+      <p:sp>
+        <p:nvSpPr>
+          <p:cNvPr id="2" name="標題 1">
+            <a:extLst>
+              <a:ext uri="{FF2B5EF4-FFF2-40B4-BE49-F238E27FC236}">
+                <a16:creationId xmlns:a16="http://schemas.microsoft.com/office/drawing/2014/main" id="{C895B120-57AA-9186-DC5F-F7583EE40E42}"/>
+              </a:ext>
+            </a:extLst>
+          </p:cNvPr>
           <p:cNvSpPr>
             <a:spLocks noGrp="1"/>
           </p:cNvSpPr>
@@ -5820,43 +4201,72 @@
             <p:ph type="title"/>
           </p:nvPr>
         </p:nvSpPr>
-        <p:spPr/>
-        <p:txBody>
-          <a:bodyPr/>
-          <a:p>
-            <a:endParaRPr lang="en-US"/>
+        <p:spPr>
+          <a:xfrm>
+            <a:off x="4449679" y="-164263"/>
+            <a:ext cx="3292642" cy="910222"/>
+          </a:xfrm>
+        </p:spPr>
+        <p:txBody>
+          <a:bodyPr/>
+          <a:lstStyle/>
+          <a:p>
+            <a:pPr algn="ctr"/>
+            <a:r>
+              <a:rPr kumimoji="0" lang="en-US" altLang="zh-TW" sz="3000" b="0" i="0" u="none" strike="noStrike" kern="1200" cap="none" spc="0" normalizeH="0" baseline="0" noProof="0" dirty="0">
+                <a:ln>
+                  <a:noFill/>
+                </a:ln>
+                <a:solidFill>
+                  <a:prstClr val="black"/>
+                </a:solidFill>
+                <a:effectLst/>
+                <a:uLnTx/>
+                <a:uFillTx/>
+                <a:latin typeface="Calibri Light"/>
+                <a:ea typeface="新細明體" panose="02020500000000000000" pitchFamily="18" charset="-120"/>
+                <a:cs typeface="+mj-cs"/>
+              </a:rPr>
+              <a:t>Signal B</a:t>
+            </a:r>
+            <a:endParaRPr lang="zh-TW" altLang="en-US" dirty="0"/>
+          </a:p>
+        </p:txBody>
+      </p:sp>
+      <p:sp>
+        <p:nvSpPr>
+          <p:cNvPr id="3" name="內容版面配置區 2">
+            <a:extLst>
+              <a:ext uri="{FF2B5EF4-FFF2-40B4-BE49-F238E27FC236}">
+                <a16:creationId xmlns:a16="http://schemas.microsoft.com/office/drawing/2014/main" id="{805B5560-698C-8EDE-E648-D118A059C420}"/>
+              </a:ext>
+            </a:extLst>
+          </p:cNvPr>
+          <p:cNvSpPr>
+            <a:spLocks noGrp="1"/>
+          </p:cNvSpPr>
+          <p:nvPr>
+            <p:ph idx="1"/>
+          </p:nvPr>
+        </p:nvSpPr>
+        <p:spPr/>
+        <p:txBody>
+          <a:bodyPr/>
+          <a:lstStyle/>
+          <a:p>
+            <a:endParaRPr lang="zh-TW" altLang="en-US" dirty="0"/>
           </a:p>
         </p:txBody>
       </p:sp>
       <p:pic>
         <p:nvPicPr>
-          <p:cNvPr id="4" name="Content Placeholder 3"/>
-          <p:cNvPicPr>
-            <a:picLocks noChangeAspect="1"/>
-          </p:cNvPicPr>
-          <p:nvPr>
-            <p:ph idx="1"/>
-          </p:nvPr>
-        </p:nvPicPr>
-        <p:blipFill>
-          <a:blip r:embed="rId1"/>
-          <a:stretch>
-            <a:fillRect/>
-          </a:stretch>
-        </p:blipFill>
-        <p:spPr>
-          <a:xfrm>
-            <a:off x="0" y="91440"/>
-            <a:ext cx="12014835" cy="3326765"/>
-          </a:xfrm>
-          <a:prstGeom prst="rect">
-            <a:avLst/>
-          </a:prstGeom>
-        </p:spPr>
-      </p:pic>
-      <p:pic>
-        <p:nvPicPr>
-          <p:cNvPr id="5" name="Content Placeholder 3"/>
+          <p:cNvPr id="5" name="圖片 4">
+            <a:extLst>
+              <a:ext uri="{FF2B5EF4-FFF2-40B4-BE49-F238E27FC236}">
+                <a16:creationId xmlns:a16="http://schemas.microsoft.com/office/drawing/2014/main" id="{F4DA6462-7F1F-44F0-3B0A-06BBCD4D89AA}"/>
+              </a:ext>
+            </a:extLst>
+          </p:cNvPr>
           <p:cNvPicPr>
             <a:picLocks noChangeAspect="1"/>
           </p:cNvPicPr>
@@ -5870,15 +4280,50 @@
         </p:blipFill>
         <p:spPr>
           <a:xfrm>
-            <a:off x="971550" y="3486150"/>
-            <a:ext cx="9822180" cy="2743200"/>
+            <a:off x="670090" y="506195"/>
+            <a:ext cx="10851820" cy="3086367"/>
           </a:xfrm>
           <a:prstGeom prst="rect">
             <a:avLst/>
           </a:prstGeom>
         </p:spPr>
       </p:pic>
+      <p:pic>
+        <p:nvPicPr>
+          <p:cNvPr id="7" name="圖片 6">
+            <a:extLst>
+              <a:ext uri="{FF2B5EF4-FFF2-40B4-BE49-F238E27FC236}">
+                <a16:creationId xmlns:a16="http://schemas.microsoft.com/office/drawing/2014/main" id="{CA196092-7575-C438-C1EB-96BE2AD595C7}"/>
+              </a:ext>
+            </a:extLst>
+          </p:cNvPr>
+          <p:cNvPicPr>
+            <a:picLocks noChangeAspect="1"/>
+          </p:cNvPicPr>
+          <p:nvPr/>
+        </p:nvPicPr>
+        <p:blipFill>
+          <a:blip r:embed="rId3"/>
+          <a:stretch>
+            <a:fillRect/>
+          </a:stretch>
+        </p:blipFill>
+        <p:spPr>
+          <a:xfrm>
+            <a:off x="574831" y="3592562"/>
+            <a:ext cx="11042337" cy="3154953"/>
+          </a:xfrm>
+          <a:prstGeom prst="rect">
+            <a:avLst/>
+          </a:prstGeom>
+        </p:spPr>
+      </p:pic>
     </p:spTree>
+    <p:extLst>
+      <p:ext uri="{BB962C8B-B14F-4D97-AF65-F5344CB8AC3E}">
+        <p14:creationId xmlns:p14="http://schemas.microsoft.com/office/powerpoint/2010/main" val="1916793411"/>
+      </p:ext>
+    </p:extLst>
   </p:cSld>
   <p:clrMapOvr>
     <a:masterClrMapping/>
@@ -5895,10 +4340,23 @@
         <p:cNvGrpSpPr/>
         <p:nvPr/>
       </p:nvGrpSpPr>
-      <p:grpSpPr/>
-      <p:sp>
-        <p:nvSpPr>
-          <p:cNvPr id="2" name="Title 1"/>
+      <p:grpSpPr>
+        <a:xfrm>
+          <a:off x="0" y="0"/>
+          <a:ext cx="0" cy="0"/>
+          <a:chOff x="0" y="0"/>
+          <a:chExt cx="0" cy="0"/>
+        </a:xfrm>
+      </p:grpSpPr>
+      <p:sp>
+        <p:nvSpPr>
+          <p:cNvPr id="2" name="標題 1">
+            <a:extLst>
+              <a:ext uri="{FF2B5EF4-FFF2-40B4-BE49-F238E27FC236}">
+                <a16:creationId xmlns:a16="http://schemas.microsoft.com/office/drawing/2014/main" id="{3A66EDFE-916A-77FE-7016-2FE1AB4996D8}"/>
+              </a:ext>
+            </a:extLst>
+          </p:cNvPr>
           <p:cNvSpPr>
             <a:spLocks noGrp="1"/>
           </p:cNvSpPr>
@@ -5909,40 +4367,46 @@
         <p:spPr/>
         <p:txBody>
           <a:bodyPr/>
-          <a:p>
-            <a:endParaRPr lang="en-US"/>
+          <a:lstStyle/>
+          <a:p>
+            <a:endParaRPr lang="zh-TW" altLang="en-US"/>
+          </a:p>
+        </p:txBody>
+      </p:sp>
+      <p:sp>
+        <p:nvSpPr>
+          <p:cNvPr id="3" name="內容版面配置區 2">
+            <a:extLst>
+              <a:ext uri="{FF2B5EF4-FFF2-40B4-BE49-F238E27FC236}">
+                <a16:creationId xmlns:a16="http://schemas.microsoft.com/office/drawing/2014/main" id="{E9E5ECE1-D92D-2DBA-976B-CE181C8E369D}"/>
+              </a:ext>
+            </a:extLst>
+          </p:cNvPr>
+          <p:cNvSpPr>
+            <a:spLocks noGrp="1"/>
+          </p:cNvSpPr>
+          <p:nvPr>
+            <p:ph idx="1"/>
+          </p:nvPr>
+        </p:nvSpPr>
+        <p:spPr/>
+        <p:txBody>
+          <a:bodyPr/>
+          <a:lstStyle/>
+          <a:p>
+            <a:endParaRPr lang="zh-TW" altLang="en-US"/>
           </a:p>
         </p:txBody>
       </p:sp>
       <p:pic>
         <p:nvPicPr>
-          <p:cNvPr id="4" name="Content Placeholder 3"/>
-          <p:cNvPicPr>
-            <a:picLocks noChangeAspect="1"/>
-          </p:cNvPicPr>
-          <p:nvPr>
-            <p:ph idx="1"/>
-          </p:nvPr>
-        </p:nvPicPr>
-        <p:blipFill>
-          <a:blip r:embed="rId1"/>
-          <a:stretch>
-            <a:fillRect/>
-          </a:stretch>
-        </p:blipFill>
-        <p:spPr>
-          <a:xfrm>
-            <a:off x="0" y="91440"/>
-            <a:ext cx="12014835" cy="3326765"/>
-          </a:xfrm>
-          <a:prstGeom prst="rect">
-            <a:avLst/>
-          </a:prstGeom>
-        </p:spPr>
-      </p:pic>
-      <p:pic>
-        <p:nvPicPr>
-          <p:cNvPr id="5" name="Content Placeholder 3"/>
+          <p:cNvPr id="5" name="圖片 4">
+            <a:extLst>
+              <a:ext uri="{FF2B5EF4-FFF2-40B4-BE49-F238E27FC236}">
+                <a16:creationId xmlns:a16="http://schemas.microsoft.com/office/drawing/2014/main" id="{92B38800-2417-41ED-E1C2-516C367CBC3A}"/>
+              </a:ext>
+            </a:extLst>
+          </p:cNvPr>
           <p:cNvPicPr>
             <a:picLocks noChangeAspect="1"/>
           </p:cNvPicPr>
@@ -5956,8 +4420,8 @@
         </p:blipFill>
         <p:spPr>
           <a:xfrm>
-            <a:off x="971550" y="3486150"/>
-            <a:ext cx="9822180" cy="2743200"/>
+            <a:off x="593883" y="365125"/>
+            <a:ext cx="11004234" cy="3162574"/>
           </a:xfrm>
           <a:prstGeom prst="rect">
             <a:avLst/>
@@ -5966,7 +4430,13 @@
       </p:pic>
       <p:pic>
         <p:nvPicPr>
-          <p:cNvPr id="7" name="Picture 6"/>
+          <p:cNvPr id="7" name="圖片 6">
+            <a:extLst>
+              <a:ext uri="{FF2B5EF4-FFF2-40B4-BE49-F238E27FC236}">
+                <a16:creationId xmlns:a16="http://schemas.microsoft.com/office/drawing/2014/main" id="{49F0EFA8-F841-08BE-0684-1884293747D0}"/>
+              </a:ext>
+            </a:extLst>
+          </p:cNvPr>
           <p:cNvPicPr>
             <a:picLocks noChangeAspect="1"/>
           </p:cNvPicPr>
@@ -5980,8 +4450,8 @@
         </p:blipFill>
         <p:spPr>
           <a:xfrm>
-            <a:off x="6465570" y="771525"/>
-            <a:ext cx="4566285" cy="2525395"/>
+            <a:off x="631986" y="3662636"/>
+            <a:ext cx="10928027" cy="3124471"/>
           </a:xfrm>
           <a:prstGeom prst="rect">
             <a:avLst/>
@@ -5989,6 +4459,11 @@
         </p:spPr>
       </p:pic>
     </p:spTree>
+    <p:extLst>
+      <p:ext uri="{BB962C8B-B14F-4D97-AF65-F5344CB8AC3E}">
+        <p14:creationId xmlns:p14="http://schemas.microsoft.com/office/powerpoint/2010/main" val="658938981"/>
+      </p:ext>
+    </p:extLst>
   </p:cSld>
   <p:clrMapOvr>
     <a:masterClrMapping/>
@@ -6005,10 +4480,23 @@
         <p:cNvGrpSpPr/>
         <p:nvPr/>
       </p:nvGrpSpPr>
-      <p:grpSpPr/>
-      <p:sp>
-        <p:nvSpPr>
-          <p:cNvPr id="2" name="Title 1"/>
+      <p:grpSpPr>
+        <a:xfrm>
+          <a:off x="0" y="0"/>
+          <a:ext cx="0" cy="0"/>
+          <a:chOff x="0" y="0"/>
+          <a:chExt cx="0" cy="0"/>
+        </a:xfrm>
+      </p:grpSpPr>
+      <p:sp>
+        <p:nvSpPr>
+          <p:cNvPr id="2" name="標題 1">
+            <a:extLst>
+              <a:ext uri="{FF2B5EF4-FFF2-40B4-BE49-F238E27FC236}">
+                <a16:creationId xmlns:a16="http://schemas.microsoft.com/office/drawing/2014/main" id="{456F86F7-44DC-C8F5-0B0A-A48C3FF94260}"/>
+              </a:ext>
+            </a:extLst>
+          </p:cNvPr>
           <p:cNvSpPr>
             <a:spLocks noGrp="1"/>
           </p:cNvSpPr>
@@ -6018,61 +4506,104 @@
         </p:nvSpPr>
         <p:spPr/>
         <p:txBody>
-          <a:bodyPr>
-            <a:normAutofit/>
-          </a:bodyPr>
-          <a:p>
-            <a:r>
-              <a:rPr lang="en-US">
-                <a:sym typeface="+mn-ea"/>
-              </a:rPr>
-              <a:t>Interval MAE for signal B</a:t>
-            </a:r>
-            <a:endParaRPr lang="en-US"/>
+          <a:bodyPr/>
+          <a:lstStyle/>
+          <a:p>
+            <a:endParaRPr lang="zh-TW" altLang="en-US"/>
+          </a:p>
+        </p:txBody>
+      </p:sp>
+      <p:sp>
+        <p:nvSpPr>
+          <p:cNvPr id="3" name="內容版面配置區 2">
+            <a:extLst>
+              <a:ext uri="{FF2B5EF4-FFF2-40B4-BE49-F238E27FC236}">
+                <a16:creationId xmlns:a16="http://schemas.microsoft.com/office/drawing/2014/main" id="{CEDC1444-9209-0BC3-7B30-41468CC0432E}"/>
+              </a:ext>
+            </a:extLst>
+          </p:cNvPr>
+          <p:cNvSpPr>
+            <a:spLocks noGrp="1"/>
+          </p:cNvSpPr>
+          <p:nvPr>
+            <p:ph idx="1"/>
+          </p:nvPr>
+        </p:nvSpPr>
+        <p:spPr/>
+        <p:txBody>
+          <a:bodyPr/>
+          <a:lstStyle/>
+          <a:p>
+            <a:endParaRPr lang="zh-TW" altLang="en-US"/>
           </a:p>
         </p:txBody>
       </p:sp>
       <p:pic>
         <p:nvPicPr>
-          <p:cNvPr id="8" name="Picture 7"/>
+          <p:cNvPr id="5" name="圖片 4">
+            <a:extLst>
+              <a:ext uri="{FF2B5EF4-FFF2-40B4-BE49-F238E27FC236}">
+                <a16:creationId xmlns:a16="http://schemas.microsoft.com/office/drawing/2014/main" id="{BC33798D-17B7-D727-1BC9-13917806C782}"/>
+              </a:ext>
+            </a:extLst>
+          </p:cNvPr>
           <p:cNvPicPr>
             <a:picLocks noChangeAspect="1"/>
           </p:cNvPicPr>
           <p:nvPr/>
         </p:nvPicPr>
         <p:blipFill>
-          <a:blip r:embed="rId1"/>
+          <a:blip r:embed="rId2"/>
           <a:stretch>
             <a:fillRect/>
           </a:stretch>
         </p:blipFill>
         <p:spPr>
           <a:xfrm>
-            <a:off x="621030" y="1965960"/>
-            <a:ext cx="10949940" cy="2926080"/>
+            <a:off x="677078" y="365125"/>
+            <a:ext cx="11080440" cy="3223539"/>
           </a:xfrm>
           <a:prstGeom prst="rect">
             <a:avLst/>
           </a:prstGeom>
         </p:spPr>
       </p:pic>
-      <p:sp>
-        <p:nvSpPr>
-          <p:cNvPr id="9" name="Content Placeholder 8"/>
-          <p:cNvSpPr/>
-          <p:nvPr>
-            <p:ph idx="1"/>
-          </p:nvPr>
-        </p:nvSpPr>
-        <p:spPr/>
-        <p:txBody>
-          <a:bodyPr/>
-          <a:p>
-            <a:endParaRPr lang="en-US"/>
-          </a:p>
-        </p:txBody>
-      </p:sp>
+      <p:pic>
+        <p:nvPicPr>
+          <p:cNvPr id="7" name="圖片 6">
+            <a:extLst>
+              <a:ext uri="{FF2B5EF4-FFF2-40B4-BE49-F238E27FC236}">
+                <a16:creationId xmlns:a16="http://schemas.microsoft.com/office/drawing/2014/main" id="{F596511E-6B10-DC6B-85E8-3E6EE77C9686}"/>
+              </a:ext>
+            </a:extLst>
+          </p:cNvPr>
+          <p:cNvPicPr>
+            <a:picLocks noChangeAspect="1"/>
+          </p:cNvPicPr>
+          <p:nvPr/>
+        </p:nvPicPr>
+        <p:blipFill>
+          <a:blip r:embed="rId3"/>
+          <a:stretch>
+            <a:fillRect/>
+          </a:stretch>
+        </p:blipFill>
+        <p:spPr>
+          <a:xfrm>
+            <a:off x="434482" y="3588664"/>
+            <a:ext cx="11011854" cy="3246401"/>
+          </a:xfrm>
+          <a:prstGeom prst="rect">
+            <a:avLst/>
+          </a:prstGeom>
+        </p:spPr>
+      </p:pic>
     </p:spTree>
+    <p:extLst>
+      <p:ext uri="{BB962C8B-B14F-4D97-AF65-F5344CB8AC3E}">
+        <p14:creationId xmlns:p14="http://schemas.microsoft.com/office/powerpoint/2010/main" val="3115415941"/>
+      </p:ext>
+    </p:extLst>
   </p:cSld>
   <p:clrMapOvr>
     <a:masterClrMapping/>
@@ -6331,6 +4862,8 @@
       </a:bgFillStyleLst>
     </a:fmtScheme>
   </a:themeElements>
+  <a:objectDefaults/>
+  <a:extraClrSchemeLst/>
   <a:extLst>
     <a:ext uri="{05A4C25C-085E-4340-85A3-A5531E510DB2}">
       <thm15:themeFamily xmlns:thm15="http://schemas.microsoft.com/office/thememl/2012/main" name="Office Theme" id="{62F939B6-93AF-4DB8-9C6B-D6C7DFDC589F}" vid="{4A3C46E8-61CC-4603-A589-7422A47A8E4A}"/>
